--- a/2024/Lec/Юнит 1 - знакомство.pptx
+++ b/2024/Lec/Юнит 1 - знакомство.pptx
@@ -5,7 +5,7 @@
     <p:sldMasterId id="2147483648" r:id="rId1"/>
   </p:sldMasterIdLst>
   <p:notesMasterIdLst>
-    <p:notesMasterId r:id="rId21"/>
+    <p:notesMasterId r:id="rId19"/>
   </p:notesMasterIdLst>
   <p:sldIdLst>
     <p:sldId id="256" r:id="rId2"/>
@@ -19,14 +19,12 @@
     <p:sldId id="320" r:id="rId10"/>
     <p:sldId id="297" r:id="rId11"/>
     <p:sldId id="296" r:id="rId12"/>
-    <p:sldId id="261" r:id="rId13"/>
-    <p:sldId id="319" r:id="rId14"/>
+    <p:sldId id="319" r:id="rId13"/>
+    <p:sldId id="261" r:id="rId14"/>
     <p:sldId id="283" r:id="rId15"/>
     <p:sldId id="298" r:id="rId16"/>
     <p:sldId id="288" r:id="rId17"/>
     <p:sldId id="301" r:id="rId18"/>
-    <p:sldId id="312" r:id="rId19"/>
-    <p:sldId id="321" r:id="rId20"/>
   </p:sldIdLst>
   <p:sldSz cx="12192000" cy="6858000"/>
   <p:notesSz cx="6858000" cy="9144000"/>
@@ -215,7 +213,7 @@
           <a:p>
             <a:fld id="{CDA96C9A-3213-B245-BC64-7E419D14BD9D}" type="datetimeFigureOut">
               <a:rPr lang="ru-RU" smtClean="0"/>
-              <a:t>26.09.2023</a:t>
+              <a:t>15.02.2024</a:t>
             </a:fld>
             <a:endParaRPr lang="ru-RU"/>
           </a:p>
@@ -799,7 +797,7 @@
           <a:p>
             <a:fld id="{44343DC6-30E4-4569-999A-C703F926F2AF}" type="datetimeFigureOut">
               <a:rPr lang="en-US" smtClean="0"/>
-              <a:t>9/26/23</a:t>
+              <a:t>2/15/2024</a:t>
             </a:fld>
             <a:endParaRPr lang="en-US"/>
           </a:p>
@@ -999,7 +997,7 @@
           <a:p>
             <a:fld id="{44343DC6-30E4-4569-999A-C703F926F2AF}" type="datetimeFigureOut">
               <a:rPr lang="en-US" smtClean="0"/>
-              <a:t>9/26/23</a:t>
+              <a:t>2/15/2024</a:t>
             </a:fld>
             <a:endParaRPr lang="en-US"/>
           </a:p>
@@ -1209,7 +1207,7 @@
           <a:p>
             <a:fld id="{44343DC6-30E4-4569-999A-C703F926F2AF}" type="datetimeFigureOut">
               <a:rPr lang="en-US" smtClean="0"/>
-              <a:t>9/26/23</a:t>
+              <a:t>2/15/2024</a:t>
             </a:fld>
             <a:endParaRPr lang="en-US"/>
           </a:p>
@@ -1409,7 +1407,7 @@
           <a:p>
             <a:fld id="{44343DC6-30E4-4569-999A-C703F926F2AF}" type="datetimeFigureOut">
               <a:rPr lang="en-US" smtClean="0"/>
-              <a:t>9/26/23</a:t>
+              <a:t>2/15/2024</a:t>
             </a:fld>
             <a:endParaRPr lang="en-US"/>
           </a:p>
@@ -1685,7 +1683,7 @@
           <a:p>
             <a:fld id="{44343DC6-30E4-4569-999A-C703F926F2AF}" type="datetimeFigureOut">
               <a:rPr lang="en-US" smtClean="0"/>
-              <a:t>9/26/23</a:t>
+              <a:t>2/15/2024</a:t>
             </a:fld>
             <a:endParaRPr lang="en-US"/>
           </a:p>
@@ -1953,7 +1951,7 @@
           <a:p>
             <a:fld id="{44343DC6-30E4-4569-999A-C703F926F2AF}" type="datetimeFigureOut">
               <a:rPr lang="en-US" smtClean="0"/>
-              <a:t>9/26/23</a:t>
+              <a:t>2/15/2024</a:t>
             </a:fld>
             <a:endParaRPr lang="en-US"/>
           </a:p>
@@ -2368,7 +2366,7 @@
           <a:p>
             <a:fld id="{44343DC6-30E4-4569-999A-C703F926F2AF}" type="datetimeFigureOut">
               <a:rPr lang="en-US" smtClean="0"/>
-              <a:t>9/26/23</a:t>
+              <a:t>2/15/2024</a:t>
             </a:fld>
             <a:endParaRPr lang="en-US"/>
           </a:p>
@@ -2510,7 +2508,7 @@
           <a:p>
             <a:fld id="{44343DC6-30E4-4569-999A-C703F926F2AF}" type="datetimeFigureOut">
               <a:rPr lang="en-US" smtClean="0"/>
-              <a:t>9/26/23</a:t>
+              <a:t>2/15/2024</a:t>
             </a:fld>
             <a:endParaRPr lang="en-US"/>
           </a:p>
@@ -2623,7 +2621,7 @@
           <a:p>
             <a:fld id="{44343DC6-30E4-4569-999A-C703F926F2AF}" type="datetimeFigureOut">
               <a:rPr lang="en-US" smtClean="0"/>
-              <a:t>9/26/23</a:t>
+              <a:t>2/15/2024</a:t>
             </a:fld>
             <a:endParaRPr lang="en-US"/>
           </a:p>
@@ -2936,7 +2934,7 @@
           <a:p>
             <a:fld id="{44343DC6-30E4-4569-999A-C703F926F2AF}" type="datetimeFigureOut">
               <a:rPr lang="en-US" smtClean="0"/>
-              <a:t>9/26/23</a:t>
+              <a:t>2/15/2024</a:t>
             </a:fld>
             <a:endParaRPr lang="en-US"/>
           </a:p>
@@ -3225,7 +3223,7 @@
           <a:p>
             <a:fld id="{44343DC6-30E4-4569-999A-C703F926F2AF}" type="datetimeFigureOut">
               <a:rPr lang="en-US" smtClean="0"/>
-              <a:t>9/26/23</a:t>
+              <a:t>2/15/2024</a:t>
             </a:fld>
             <a:endParaRPr lang="en-US"/>
           </a:p>
@@ -3468,7 +3466,7 @@
           <a:p>
             <a:fld id="{44343DC6-30E4-4569-999A-C703F926F2AF}" type="datetimeFigureOut">
               <a:rPr lang="en-US" smtClean="0"/>
-              <a:t>9/26/23</a:t>
+              <a:t>2/15/2024</a:t>
             </a:fld>
             <a:endParaRPr lang="en-US"/>
           </a:p>
@@ -3938,6 +3936,13 @@
   <p:clrMapOvr>
     <a:masterClrMapping/>
   </p:clrMapOvr>
+  <p:timing>
+    <p:tnLst>
+      <p:par>
+        <p:cTn id="1" dur="indefinite" restart="never" nodeType="tmRoot"/>
+      </p:par>
+    </p:tnLst>
+  </p:timing>
 </p:sld>
 </file>
 
@@ -3982,7 +3987,7 @@
         </p:spPr>
         <p:txBody>
           <a:bodyPr>
-            <a:normAutofit fontScale="90000"/>
+            <a:normAutofit/>
           </a:bodyPr>
           <a:lstStyle/>
           <a:p>
@@ -4193,6 +4198,20 @@
               <a:buNone/>
               <a:tabLst/>
             </a:pPr>
+            <a:r>
+              <a:rPr kumimoji="0" lang="en-US" altLang="en-US" sz="1400" b="0" i="0" u="none" strike="noStrike" cap="none" normalizeH="0" baseline="0">
+                <a:ln>
+                  <a:noFill/>
+                </a:ln>
+                <a:solidFill>
+                  <a:schemeClr val="tx1"/>
+                </a:solidFill>
+                <a:effectLst/>
+                <a:latin typeface="Arial" panose="020B0604020202020204" pitchFamily="34" charset="0"/>
+                <a:ea typeface="Times New Roman" panose="02020603050405020304" pitchFamily="18" charset="0"/>
+              </a:rPr>
+              <a:t/>
+            </a:r>
             <a:br>
               <a:rPr kumimoji="0" lang="en-US" altLang="en-US" sz="1400" b="0" i="0" u="none" strike="noStrike" cap="none" normalizeH="0" baseline="0">
                 <a:ln>
@@ -4323,6 +4342,13 @@
   <p:clrMapOvr>
     <a:masterClrMapping/>
   </p:clrMapOvr>
+  <p:timing>
+    <p:tnLst>
+      <p:par>
+        <p:cTn id="1" dur="indefinite" restart="never" nodeType="tmRoot"/>
+      </p:par>
+    </p:tnLst>
+  </p:timing>
 </p:sld>
 </file>
 
@@ -4583,6 +4609,20 @@
               <a:buNone/>
               <a:tabLst/>
             </a:pPr>
+            <a:r>
+              <a:rPr kumimoji="0" lang="en-US" altLang="en-US" sz="1400" b="0" i="0" u="none" strike="noStrike" cap="none" normalizeH="0" baseline="0">
+                <a:ln>
+                  <a:noFill/>
+                </a:ln>
+                <a:solidFill>
+                  <a:schemeClr val="tx1"/>
+                </a:solidFill>
+                <a:effectLst/>
+                <a:latin typeface="Arial" panose="020B0604020202020204" pitchFamily="34" charset="0"/>
+                <a:ea typeface="Times New Roman" panose="02020603050405020304" pitchFamily="18" charset="0"/>
+              </a:rPr>
+              <a:t/>
+            </a:r>
             <a:br>
               <a:rPr kumimoji="0" lang="en-US" altLang="en-US" sz="1400" b="0" i="0" u="none" strike="noStrike" cap="none" normalizeH="0" baseline="0">
                 <a:ln>
@@ -4656,6 +4696,14 @@
             </a:r>
           </a:p>
           <a:p>
+            <a:r>
+              <a:rPr lang="en-US" sz="1100" dirty="0">
+                <a:effectLst/>
+                <a:latin typeface="Times New Roman" panose="02020603050405020304" pitchFamily="18" charset="0"/>
+                <a:ea typeface="Times New Roman" panose="02020603050405020304" pitchFamily="18" charset="0"/>
+              </a:rPr>
+              <a:t/>
+            </a:r>
             <a:br>
               <a:rPr lang="en-US" sz="1100" dirty="0">
                 <a:effectLst/>
@@ -5913,6 +5961,13 @@
   <p:clrMapOvr>
     <a:masterClrMapping/>
   </p:clrMapOvr>
+  <p:timing>
+    <p:tnLst>
+      <p:par>
+        <p:cTn id="1" dur="indefinite" restart="never" nodeType="tmRoot"/>
+      </p:par>
+    </p:tnLst>
+  </p:timing>
 </p:sld>
 </file>
 
@@ -6205,6 +6260,20 @@
               <a:buNone/>
               <a:tabLst/>
             </a:pPr>
+            <a:r>
+              <a:rPr kumimoji="0" lang="en-US" altLang="en-US" sz="1400" b="0" i="0" u="none" strike="noStrike" cap="none" normalizeH="0" baseline="0">
+                <a:ln>
+                  <a:noFill/>
+                </a:ln>
+                <a:solidFill>
+                  <a:schemeClr val="tx1"/>
+                </a:solidFill>
+                <a:effectLst/>
+                <a:latin typeface="Arial" panose="020B0604020202020204" pitchFamily="34" charset="0"/>
+                <a:ea typeface="Times New Roman" panose="02020603050405020304" pitchFamily="18" charset="0"/>
+              </a:rPr>
+              <a:t/>
+            </a:r>
             <a:br>
               <a:rPr kumimoji="0" lang="en-US" altLang="en-US" sz="1400" b="0" i="0" u="none" strike="noStrike" cap="none" normalizeH="0" baseline="0">
                 <a:ln>
@@ -6231,420 +6300,6 @@
           </a:p>
         </p:txBody>
       </p:sp>
-      <p:pic>
-        <p:nvPicPr>
-          <p:cNvPr id="7212" name="Picture 44" descr="image.png">
-            <a:extLst>
-              <a:ext uri="{FF2B5EF4-FFF2-40B4-BE49-F238E27FC236}">
-                <a16:creationId xmlns:a16="http://schemas.microsoft.com/office/drawing/2014/main" id="{E7F9585D-3270-4970-B32A-7740AA84F047}"/>
-              </a:ext>
-            </a:extLst>
-          </p:cNvPr>
-          <p:cNvPicPr>
-            <a:picLocks noChangeAspect="1" noChangeArrowheads="1"/>
-          </p:cNvPicPr>
-          <p:nvPr/>
-        </p:nvPicPr>
-        <p:blipFill rotWithShape="1">
-          <a:blip r:embed="rId2">
-            <a:extLst>
-              <a:ext uri="{28A0092B-C50C-407E-A947-70E740481C1C}">
-                <a14:useLocalDpi xmlns:a14="http://schemas.microsoft.com/office/drawing/2010/main" val="0"/>
-              </a:ext>
-            </a:extLst>
-          </a:blip>
-          <a:srcRect l="-1563" t="-1628" r="1563" b="8995"/>
-          <a:stretch/>
-        </p:blipFill>
-        <p:spPr bwMode="auto">
-          <a:xfrm>
-            <a:off x="344170" y="1926610"/>
-            <a:ext cx="7275476" cy="4052079"/>
-          </a:xfrm>
-          <a:prstGeom prst="rect">
-            <a:avLst/>
-          </a:prstGeom>
-          <a:noFill/>
-          <a:extLst>
-            <a:ext uri="{909E8E84-426E-40DD-AFC4-6F175D3DCCD1}">
-              <a14:hiddenFill xmlns:a14="http://schemas.microsoft.com/office/drawing/2010/main">
-                <a:solidFill>
-                  <a:srgbClr val="FFFFFF"/>
-                </a:solidFill>
-              </a14:hiddenFill>
-            </a:ext>
-          </a:extLst>
-        </p:spPr>
-      </p:pic>
-      <p:pic>
-        <p:nvPicPr>
-          <p:cNvPr id="9" name="Picture 2" descr="Одиннадцатилетний цикл солнечной активности — Википедия"/>
-          <p:cNvPicPr>
-            <a:picLocks noChangeAspect="1" noChangeArrowheads="1"/>
-          </p:cNvPicPr>
-          <p:nvPr/>
-        </p:nvPicPr>
-        <p:blipFill>
-          <a:blip r:embed="rId3">
-            <a:extLst>
-              <a:ext uri="{28A0092B-C50C-407E-A947-70E740481C1C}">
-                <a14:useLocalDpi xmlns:a14="http://schemas.microsoft.com/office/drawing/2010/main" val="0"/>
-              </a:ext>
-            </a:extLst>
-          </a:blip>
-          <a:srcRect/>
-          <a:stretch>
-            <a:fillRect/>
-          </a:stretch>
-        </p:blipFill>
-        <p:spPr bwMode="auto">
-          <a:xfrm>
-            <a:off x="7778369" y="2282152"/>
-            <a:ext cx="4054981" cy="2838487"/>
-          </a:xfrm>
-          <a:prstGeom prst="rect">
-            <a:avLst/>
-          </a:prstGeom>
-          <a:noFill/>
-          <a:extLst>
-            <a:ext uri="{909E8E84-426E-40DD-AFC4-6F175D3DCCD1}">
-              <a14:hiddenFill xmlns:a14="http://schemas.microsoft.com/office/drawing/2010/main">
-                <a:solidFill>
-                  <a:srgbClr val="FFFFFF"/>
-                </a:solidFill>
-              </a14:hiddenFill>
-            </a:ext>
-          </a:extLst>
-        </p:spPr>
-      </p:pic>
-    </p:spTree>
-    <p:extLst>
-      <p:ext uri="{BB962C8B-B14F-4D97-AF65-F5344CB8AC3E}">
-        <p14:creationId xmlns:p14="http://schemas.microsoft.com/office/powerpoint/2010/main" val="2162028633"/>
-      </p:ext>
-    </p:extLst>
-  </p:cSld>
-  <p:clrMapOvr>
-    <a:masterClrMapping/>
-  </p:clrMapOvr>
-</p:sld>
-</file>
-
-<file path=ppt/slides/slide13.xml><?xml version="1.0" encoding="utf-8"?>
-<p:sld xmlns:a="http://schemas.openxmlformats.org/drawingml/2006/main" xmlns:r="http://schemas.openxmlformats.org/officeDocument/2006/relationships" xmlns:p="http://schemas.openxmlformats.org/presentationml/2006/main">
-  <p:cSld>
-    <p:spTree>
-      <p:nvGrpSpPr>
-        <p:cNvPr id="1" name=""/>
-        <p:cNvGrpSpPr/>
-        <p:nvPr/>
-      </p:nvGrpSpPr>
-      <p:grpSpPr>
-        <a:xfrm>
-          <a:off x="0" y="0"/>
-          <a:ext cx="0" cy="0"/>
-          <a:chOff x="0" y="0"/>
-          <a:chExt cx="0" cy="0"/>
-        </a:xfrm>
-      </p:grpSpPr>
-      <p:sp>
-        <p:nvSpPr>
-          <p:cNvPr id="2" name="Заголовок 1">
-            <a:extLst>
-              <a:ext uri="{FF2B5EF4-FFF2-40B4-BE49-F238E27FC236}">
-                <a16:creationId xmlns:a16="http://schemas.microsoft.com/office/drawing/2014/main" id="{79B0BEDB-9774-4E17-9A6B-DBCF6A1F528F}"/>
-              </a:ext>
-            </a:extLst>
-          </p:cNvPr>
-          <p:cNvSpPr>
-            <a:spLocks noGrp="1"/>
-          </p:cNvSpPr>
-          <p:nvPr>
-            <p:ph type="title"/>
-          </p:nvPr>
-        </p:nvSpPr>
-        <p:spPr>
-          <a:xfrm>
-            <a:off x="344168" y="188259"/>
-            <a:ext cx="11379837" cy="1325563"/>
-          </a:xfrm>
-        </p:spPr>
-        <p:txBody>
-          <a:bodyPr>
-            <a:normAutofit/>
-          </a:bodyPr>
-          <a:lstStyle/>
-          <a:p>
-            <a:pPr algn="ctr"/>
-            <a:r>
-              <a:rPr lang="ru-RU" b="1" dirty="0">
-                <a:solidFill>
-                  <a:srgbClr val="333333"/>
-                </a:solidFill>
-                <a:latin typeface="Open Sans"/>
-              </a:rPr>
-              <a:t>Примеры приложений</a:t>
-            </a:r>
-            <a:r>
-              <a:rPr lang="en-US" b="1" dirty="0">
-                <a:solidFill>
-                  <a:srgbClr val="333333"/>
-                </a:solidFill>
-                <a:latin typeface="Open Sans"/>
-              </a:rPr>
-              <a:t> </a:t>
-            </a:r>
-            <a:r>
-              <a:rPr lang="ru-RU" b="1" dirty="0">
-                <a:solidFill>
-                  <a:srgbClr val="333333"/>
-                </a:solidFill>
-                <a:latin typeface="Open Sans"/>
-              </a:rPr>
-              <a:t>анализа временных рядов.</a:t>
-            </a:r>
-            <a:endParaRPr lang="en-US" b="1" dirty="0">
-              <a:solidFill>
-                <a:srgbClr val="333333"/>
-              </a:solidFill>
-              <a:latin typeface="Open Sans"/>
-            </a:endParaRPr>
-          </a:p>
-        </p:txBody>
-      </p:sp>
-      <p:sp>
-        <p:nvSpPr>
-          <p:cNvPr id="3" name="Объект 2">
-            <a:extLst>
-              <a:ext uri="{FF2B5EF4-FFF2-40B4-BE49-F238E27FC236}">
-                <a16:creationId xmlns:a16="http://schemas.microsoft.com/office/drawing/2014/main" id="{4CDB8E57-5CA8-497C-990E-C304F4FBE710}"/>
-              </a:ext>
-            </a:extLst>
-          </p:cNvPr>
-          <p:cNvSpPr>
-            <a:spLocks noGrp="1"/>
-          </p:cNvSpPr>
-          <p:nvPr>
-            <p:ph idx="1"/>
-          </p:nvPr>
-        </p:nvSpPr>
-        <p:spPr>
-          <a:xfrm>
-            <a:off x="411454" y="1513822"/>
-            <a:ext cx="10885806" cy="5315726"/>
-          </a:xfrm>
-        </p:spPr>
-        <p:txBody>
-          <a:bodyPr>
-            <a:normAutofit/>
-          </a:bodyPr>
-          <a:lstStyle/>
-          <a:p>
-            <a:pPr marL="0" indent="0" eaLnBrk="0" fontAlgn="base" hangingPunct="0">
-              <a:lnSpc>
-                <a:spcPct val="100000"/>
-              </a:lnSpc>
-              <a:spcBef>
-                <a:spcPct val="0"/>
-              </a:spcBef>
-              <a:spcAft>
-                <a:spcPct val="0"/>
-              </a:spcAft>
-              <a:buNone/>
-            </a:pPr>
-            <a:r>
-              <a:rPr lang="ru-RU" sz="2400" dirty="0"/>
-              <a:t>Предсказание погоды</a:t>
-            </a:r>
-            <a:endParaRPr lang="en-US" sz="2400" dirty="0"/>
-          </a:p>
-          <a:p>
-            <a:pPr marL="0" lvl="0" indent="0" eaLnBrk="0" fontAlgn="base" hangingPunct="0">
-              <a:lnSpc>
-                <a:spcPct val="100000"/>
-              </a:lnSpc>
-              <a:spcBef>
-                <a:spcPct val="0"/>
-              </a:spcBef>
-              <a:spcAft>
-                <a:spcPct val="0"/>
-              </a:spcAft>
-              <a:buNone/>
-            </a:pPr>
-            <a:endParaRPr kumimoji="0" lang="en-US" altLang="en-US" b="0" i="0" u="none" strike="noStrike" cap="none" normalizeH="0" baseline="0" dirty="0">
-              <a:ln>
-                <a:noFill/>
-              </a:ln>
-              <a:solidFill>
-                <a:schemeClr val="tx1"/>
-              </a:solidFill>
-              <a:effectLst/>
-              <a:latin typeface="Arial" panose="020B0604020202020204" pitchFamily="34" charset="0"/>
-            </a:endParaRPr>
-          </a:p>
-          <a:p>
-            <a:endParaRPr lang="en-US" sz="2000" dirty="0"/>
-          </a:p>
-        </p:txBody>
-      </p:sp>
-      <p:sp>
-        <p:nvSpPr>
-          <p:cNvPr id="5" name="Rectangle 231">
-            <a:extLst>
-              <a:ext uri="{FF2B5EF4-FFF2-40B4-BE49-F238E27FC236}">
-                <a16:creationId xmlns:a16="http://schemas.microsoft.com/office/drawing/2014/main" id="{57F50B8E-A23A-4154-9A0C-994DE115ACE6}"/>
-              </a:ext>
-            </a:extLst>
-          </p:cNvPr>
-          <p:cNvSpPr>
-            <a:spLocks noChangeArrowheads="1"/>
-          </p:cNvSpPr>
-          <p:nvPr/>
-        </p:nvSpPr>
-        <p:spPr bwMode="auto">
-          <a:xfrm>
-            <a:off x="6167755" y="4477385"/>
-            <a:ext cx="52070" cy="10795"/>
-          </a:xfrm>
-          <a:prstGeom prst="rect">
-            <a:avLst/>
-          </a:prstGeom>
-          <a:solidFill>
-            <a:srgbClr val="000000"/>
-          </a:solidFill>
-          <a:ln>
-            <a:noFill/>
-          </a:ln>
-          <a:extLst>
-            <a:ext uri="{91240B29-F687-4F45-9708-019B960494DF}">
-              <a14:hiddenLine xmlns:a14="http://schemas.microsoft.com/office/drawing/2010/main" w="9525">
-                <a:solidFill>
-                  <a:srgbClr val="000000"/>
-                </a:solidFill>
-                <a:miter lim="800000"/>
-                <a:headEnd/>
-                <a:tailEnd/>
-              </a14:hiddenLine>
-            </a:ext>
-          </a:extLst>
-        </p:spPr>
-        <p:txBody>
-          <a:bodyPr rot="0" vert="horz" wrap="square" lIns="91440" tIns="45720" rIns="91440" bIns="45720" anchor="t" anchorCtr="0" upright="1">
-            <a:noAutofit/>
-          </a:bodyPr>
-          <a:lstStyle/>
-          <a:p>
-            <a:endParaRPr lang="en-US"/>
-          </a:p>
-        </p:txBody>
-      </p:sp>
-      <p:sp>
-        <p:nvSpPr>
-          <p:cNvPr id="6" name="Rectangle 3">
-            <a:extLst>
-              <a:ext uri="{FF2B5EF4-FFF2-40B4-BE49-F238E27FC236}">
-                <a16:creationId xmlns:a16="http://schemas.microsoft.com/office/drawing/2014/main" id="{66C52228-8C94-4CF2-AD63-BA9617333BA2}"/>
-              </a:ext>
-            </a:extLst>
-          </p:cNvPr>
-          <p:cNvSpPr>
-            <a:spLocks noChangeArrowheads="1"/>
-          </p:cNvSpPr>
-          <p:nvPr/>
-        </p:nvSpPr>
-        <p:spPr bwMode="auto">
-          <a:xfrm>
-            <a:off x="0" y="463550"/>
-            <a:ext cx="12192000" cy="0"/>
-          </a:xfrm>
-          <a:prstGeom prst="rect">
-            <a:avLst/>
-          </a:prstGeom>
-          <a:noFill/>
-          <a:ln>
-            <a:noFill/>
-          </a:ln>
-          <a:effectLst/>
-          <a:extLst>
-            <a:ext uri="{909E8E84-426E-40DD-AFC4-6F175D3DCCD1}">
-              <a14:hiddenFill xmlns:a14="http://schemas.microsoft.com/office/drawing/2010/main">
-                <a:solidFill>
-                  <a:schemeClr val="accent1"/>
-                </a:solidFill>
-              </a14:hiddenFill>
-            </a:ext>
-            <a:ext uri="{91240B29-F687-4F45-9708-019B960494DF}">
-              <a14:hiddenLine xmlns:a14="http://schemas.microsoft.com/office/drawing/2010/main" w="9525">
-                <a:solidFill>
-                  <a:schemeClr val="tx1"/>
-                </a:solidFill>
-                <a:miter lim="800000"/>
-                <a:headEnd/>
-                <a:tailEnd/>
-              </a14:hiddenLine>
-            </a:ext>
-            <a:ext uri="{AF507438-7753-43E0-B8FC-AC1667EBCBE1}">
-              <a14:hiddenEffects xmlns:a14="http://schemas.microsoft.com/office/drawing/2010/main">
-                <a:effectLst>
-                  <a:outerShdw dist="35921" dir="2700000" algn="ctr" rotWithShape="0">
-                    <a:schemeClr val="bg2"/>
-                  </a:outerShdw>
-                </a:effectLst>
-              </a14:hiddenEffects>
-            </a:ext>
-          </a:extLst>
-        </p:spPr>
-        <p:txBody>
-          <a:bodyPr vert="horz" wrap="none" lIns="91440" tIns="45720" rIns="91440" bIns="45720" numCol="1" anchor="ctr" anchorCtr="0" compatLnSpc="1">
-            <a:prstTxWarp prst="textNoShape">
-              <a:avLst/>
-            </a:prstTxWarp>
-            <a:spAutoFit/>
-          </a:bodyPr>
-          <a:lstStyle/>
-          <a:p>
-            <a:pPr marL="0" marR="0" lvl="0" indent="0" algn="l" defTabSz="914400" rtl="0" eaLnBrk="0" fontAlgn="base" latinLnBrk="0" hangingPunct="0">
-              <a:lnSpc>
-                <a:spcPct val="100000"/>
-              </a:lnSpc>
-              <a:spcBef>
-                <a:spcPct val="0"/>
-              </a:spcBef>
-              <a:spcAft>
-                <a:spcPct val="0"/>
-              </a:spcAft>
-              <a:buClrTx/>
-              <a:buSzTx/>
-              <a:buFontTx/>
-              <a:buNone/>
-              <a:tabLst/>
-            </a:pPr>
-            <a:br>
-              <a:rPr kumimoji="0" lang="en-US" altLang="en-US" sz="1400" b="0" i="0" u="none" strike="noStrike" cap="none" normalizeH="0" baseline="0">
-                <a:ln>
-                  <a:noFill/>
-                </a:ln>
-                <a:solidFill>
-                  <a:schemeClr val="tx1"/>
-                </a:solidFill>
-                <a:effectLst/>
-                <a:latin typeface="Arial" panose="020B0604020202020204" pitchFamily="34" charset="0"/>
-                <a:ea typeface="Times New Roman" panose="02020603050405020304" pitchFamily="18" charset="0"/>
-              </a:rPr>
-            </a:br>
-            <a:endParaRPr kumimoji="0" lang="en-US" altLang="en-US" sz="1800" b="0" i="0" u="none" strike="noStrike" cap="none" normalizeH="0" baseline="0">
-              <a:ln>
-                <a:noFill/>
-              </a:ln>
-              <a:solidFill>
-                <a:schemeClr val="tx1"/>
-              </a:solidFill>
-              <a:effectLst/>
-              <a:latin typeface="Arial" panose="020B0604020202020204" pitchFamily="34" charset="0"/>
-            </a:endParaRPr>
-          </a:p>
-        </p:txBody>
-      </p:sp>
       <p:sp>
         <p:nvSpPr>
           <p:cNvPr id="7" name="Прямоугольник 6">
@@ -6692,6 +6347,14 @@
             </a:endParaRPr>
           </a:p>
           <a:p>
+            <a:r>
+              <a:rPr lang="en-US" sz="1100" dirty="0">
+                <a:effectLst/>
+                <a:latin typeface="Times New Roman" panose="02020603050405020304" pitchFamily="18" charset="0"/>
+                <a:ea typeface="Times New Roman" panose="02020603050405020304" pitchFamily="18" charset="0"/>
+              </a:rPr>
+              <a:t/>
+            </a:r>
             <a:br>
               <a:rPr lang="en-US" sz="1100" dirty="0">
                 <a:effectLst/>
@@ -6784,10 +6447,17 @@
   <p:clrMapOvr>
     <a:masterClrMapping/>
   </p:clrMapOvr>
+  <p:timing>
+    <p:tnLst>
+      <p:par>
+        <p:cTn id="1" dur="indefinite" restart="never" nodeType="tmRoot"/>
+      </p:par>
+    </p:tnLst>
+  </p:timing>
 </p:sld>
 </file>
 
-<file path=ppt/slides/slide14.xml><?xml version="1.0" encoding="utf-8"?>
+<file path=ppt/slides/slide13.xml><?xml version="1.0" encoding="utf-8"?>
 <p:sld xmlns:a="http://schemas.openxmlformats.org/drawingml/2006/main" xmlns:r="http://schemas.openxmlformats.org/officeDocument/2006/relationships" xmlns:p="http://schemas.openxmlformats.org/presentationml/2006/main">
   <p:cSld>
     <p:spTree>
@@ -6809,7 +6479,7 @@
           <p:cNvPr id="2" name="Заголовок 1">
             <a:extLst>
               <a:ext uri="{FF2B5EF4-FFF2-40B4-BE49-F238E27FC236}">
-                <a16:creationId xmlns:a16="http://schemas.microsoft.com/office/drawing/2014/main" id="{D3CF631B-6B89-45E6-9EA0-BE461A9A9D7E}"/>
+                <a16:creationId xmlns:a16="http://schemas.microsoft.com/office/drawing/2014/main" id="{79B0BEDB-9774-4E17-9A6B-DBCF6A1F528F}"/>
               </a:ext>
             </a:extLst>
           </p:cNvPr>
@@ -6822,26 +6492,50 @@
         </p:nvSpPr>
         <p:spPr>
           <a:xfrm>
-            <a:off x="614362" y="174626"/>
-            <a:ext cx="11101388" cy="882650"/>
+            <a:off x="344168" y="188259"/>
+            <a:ext cx="11379837" cy="1325563"/>
           </a:xfrm>
         </p:spPr>
         <p:txBody>
           <a:bodyPr>
-            <a:noAutofit/>
+            <a:normAutofit/>
           </a:bodyPr>
           <a:lstStyle/>
           <a:p>
-            <a:r>
-              <a:rPr lang="ru-RU" sz="3600" b="1" dirty="0">
+            <a:pPr algn="ctr"/>
+            <a:r>
+              <a:rPr lang="ru-RU" b="1" dirty="0">
                 <a:solidFill>
                   <a:srgbClr val="333333"/>
                 </a:solidFill>
                 <a:latin typeface="Open Sans"/>
               </a:rPr>
-              <a:t>Примеры многомерных временных рядов</a:t>
-            </a:r>
-            <a:endParaRPr lang="en-US" sz="3600" dirty="0"/>
+              <a:t>Примеры приложений</a:t>
+            </a:r>
+            <a:r>
+              <a:rPr lang="en-US" b="1" dirty="0">
+                <a:solidFill>
+                  <a:srgbClr val="333333"/>
+                </a:solidFill>
+                <a:latin typeface="Open Sans"/>
+              </a:rPr>
+              <a:t> </a:t>
+            </a:r>
+            <a:r>
+              <a:rPr lang="ru-RU" b="1" dirty="0">
+                <a:solidFill>
+                  <a:srgbClr val="333333"/>
+                </a:solidFill>
+                <a:latin typeface="Open Sans"/>
+              </a:rPr>
+              <a:t>анализа временных рядов.</a:t>
+            </a:r>
+            <a:endParaRPr lang="en-US" b="1" dirty="0">
+              <a:solidFill>
+                <a:srgbClr val="333333"/>
+              </a:solidFill>
+              <a:latin typeface="Open Sans"/>
+            </a:endParaRPr>
           </a:p>
         </p:txBody>
       </p:sp>
@@ -6850,7 +6544,7 @@
           <p:cNvPr id="3" name="Объект 2">
             <a:extLst>
               <a:ext uri="{FF2B5EF4-FFF2-40B4-BE49-F238E27FC236}">
-                <a16:creationId xmlns:a16="http://schemas.microsoft.com/office/drawing/2014/main" id="{01DDBC38-26E5-4756-800C-3254445004FC}"/>
+                <a16:creationId xmlns:a16="http://schemas.microsoft.com/office/drawing/2014/main" id="{4CDB8E57-5CA8-497C-990E-C304F4FBE710}"/>
               </a:ext>
             </a:extLst>
           </p:cNvPr>
@@ -6863,237 +6557,8 @@
         </p:nvSpPr>
         <p:spPr>
           <a:xfrm>
-            <a:off x="5448300" y="847357"/>
-            <a:ext cx="6134100" cy="1013735"/>
-          </a:xfrm>
-        </p:spPr>
-        <p:txBody>
-          <a:bodyPr>
-            <a:normAutofit/>
-          </a:bodyPr>
-          <a:lstStyle/>
-          <a:p>
-            <a:pPr marL="0" indent="0">
-              <a:buNone/>
-            </a:pPr>
-            <a:r>
-              <a:rPr lang="ru-RU" sz="1600" dirty="0"/>
-              <a:t>Пример многомерного временного ряда с измерениями, которые выполняются с разной частотой и нерегулярным временем, возможно, с пропущенными значениями.</a:t>
-            </a:r>
-            <a:endParaRPr lang="en-US" sz="1600" dirty="0"/>
-          </a:p>
-        </p:txBody>
-      </p:sp>
-      <p:pic>
-        <p:nvPicPr>
-          <p:cNvPr id="23556" name="Picture 4" descr="image.png">
-            <a:extLst>
-              <a:ext uri="{FF2B5EF4-FFF2-40B4-BE49-F238E27FC236}">
-                <a16:creationId xmlns:a16="http://schemas.microsoft.com/office/drawing/2014/main" id="{87707CEA-CD30-444F-B785-97CDA0C369D5}"/>
-              </a:ext>
-            </a:extLst>
-          </p:cNvPr>
-          <p:cNvPicPr>
-            <a:picLocks noChangeAspect="1" noChangeArrowheads="1"/>
-          </p:cNvPicPr>
-          <p:nvPr/>
-        </p:nvPicPr>
-        <p:blipFill>
-          <a:blip r:embed="rId2">
-            <a:extLst>
-              <a:ext uri="{28A0092B-C50C-407E-A947-70E740481C1C}">
-                <a14:useLocalDpi xmlns:a14="http://schemas.microsoft.com/office/drawing/2010/main" val="0"/>
-              </a:ext>
-            </a:extLst>
-          </a:blip>
-          <a:srcRect/>
-          <a:stretch>
-            <a:fillRect/>
-          </a:stretch>
-        </p:blipFill>
-        <p:spPr bwMode="auto">
-          <a:xfrm>
-            <a:off x="85723" y="1100372"/>
-            <a:ext cx="4967288" cy="5757628"/>
-          </a:xfrm>
-          <a:prstGeom prst="rect">
-            <a:avLst/>
-          </a:prstGeom>
-          <a:noFill/>
-          <a:extLst>
-            <a:ext uri="{909E8E84-426E-40DD-AFC4-6F175D3DCCD1}">
-              <a14:hiddenFill xmlns:a14="http://schemas.microsoft.com/office/drawing/2010/main">
-                <a:solidFill>
-                  <a:srgbClr val="FFFFFF"/>
-                </a:solidFill>
-              </a14:hiddenFill>
-            </a:ext>
-          </a:extLst>
-        </p:spPr>
-      </p:pic>
-      <p:pic>
-        <p:nvPicPr>
-          <p:cNvPr id="24578" name="Picture 2" descr="image.png">
-            <a:extLst>
-              <a:ext uri="{FF2B5EF4-FFF2-40B4-BE49-F238E27FC236}">
-                <a16:creationId xmlns:a16="http://schemas.microsoft.com/office/drawing/2014/main" id="{E5A02810-2265-405D-AFE6-101A7950A96A}"/>
-              </a:ext>
-            </a:extLst>
-          </p:cNvPr>
-          <p:cNvPicPr>
-            <a:picLocks noChangeAspect="1" noChangeArrowheads="1"/>
-          </p:cNvPicPr>
-          <p:nvPr/>
-        </p:nvPicPr>
-        <p:blipFill>
-          <a:blip r:embed="rId3">
-            <a:extLst>
-              <a:ext uri="{28A0092B-C50C-407E-A947-70E740481C1C}">
-                <a14:useLocalDpi xmlns:a14="http://schemas.microsoft.com/office/drawing/2010/main" val="0"/>
-              </a:ext>
-            </a:extLst>
-          </a:blip>
-          <a:srcRect/>
-          <a:stretch>
-            <a:fillRect/>
-          </a:stretch>
-        </p:blipFill>
-        <p:spPr bwMode="auto">
-          <a:xfrm>
-            <a:off x="6600450" y="1581149"/>
-            <a:ext cx="5368089" cy="5022997"/>
-          </a:xfrm>
-          <a:prstGeom prst="rect">
-            <a:avLst/>
-          </a:prstGeom>
-          <a:noFill/>
-          <a:extLst>
-            <a:ext uri="{909E8E84-426E-40DD-AFC4-6F175D3DCCD1}">
-              <a14:hiddenFill xmlns:a14="http://schemas.microsoft.com/office/drawing/2010/main">
-                <a:solidFill>
-                  <a:srgbClr val="FFFFFF"/>
-                </a:solidFill>
-              </a14:hiddenFill>
-            </a:ext>
-          </a:extLst>
-        </p:spPr>
-      </p:pic>
-    </p:spTree>
-    <p:extLst>
-      <p:ext uri="{BB962C8B-B14F-4D97-AF65-F5344CB8AC3E}">
-        <p14:creationId xmlns:p14="http://schemas.microsoft.com/office/powerpoint/2010/main" val="1945087819"/>
-      </p:ext>
-    </p:extLst>
-  </p:cSld>
-  <p:clrMapOvr>
-    <a:masterClrMapping/>
-  </p:clrMapOvr>
-</p:sld>
-</file>
-
-<file path=ppt/slides/slide15.xml><?xml version="1.0" encoding="utf-8"?>
-<p:sld xmlns:a="http://schemas.openxmlformats.org/drawingml/2006/main" xmlns:r="http://schemas.openxmlformats.org/officeDocument/2006/relationships" xmlns:p="http://schemas.openxmlformats.org/presentationml/2006/main">
-  <p:cSld>
-    <p:spTree>
-      <p:nvGrpSpPr>
-        <p:cNvPr id="1" name=""/>
-        <p:cNvGrpSpPr/>
-        <p:nvPr/>
-      </p:nvGrpSpPr>
-      <p:grpSpPr>
-        <a:xfrm>
-          <a:off x="0" y="0"/>
-          <a:ext cx="0" cy="0"/>
-          <a:chOff x="0" y="0"/>
-          <a:chExt cx="0" cy="0"/>
-        </a:xfrm>
-      </p:grpSpPr>
-      <p:sp>
-        <p:nvSpPr>
-          <p:cNvPr id="2" name="Заголовок 1">
-            <a:extLst>
-              <a:ext uri="{FF2B5EF4-FFF2-40B4-BE49-F238E27FC236}">
-                <a16:creationId xmlns:a16="http://schemas.microsoft.com/office/drawing/2014/main" id="{79B0BEDB-9774-4E17-9A6B-DBCF6A1F528F}"/>
-              </a:ext>
-            </a:extLst>
-          </p:cNvPr>
-          <p:cNvSpPr>
-            <a:spLocks noGrp="1"/>
-          </p:cNvSpPr>
-          <p:nvPr>
-            <p:ph type="title"/>
-          </p:nvPr>
-        </p:nvSpPr>
-        <p:spPr>
-          <a:xfrm>
-            <a:off x="431515" y="188259"/>
-            <a:ext cx="11046110" cy="1325563"/>
-          </a:xfrm>
-        </p:spPr>
-        <p:txBody>
-          <a:bodyPr>
-            <a:normAutofit/>
-          </a:bodyPr>
-          <a:lstStyle/>
-          <a:p>
-            <a:pPr algn="ctr"/>
-            <a:r>
-              <a:rPr lang="ru-RU" b="1" dirty="0">
-                <a:solidFill>
-                  <a:srgbClr val="333333"/>
-                </a:solidFill>
-                <a:latin typeface="Open Sans"/>
-              </a:rPr>
-              <a:t>Примеры приложений</a:t>
-            </a:r>
-            <a:r>
-              <a:rPr lang="en-US" b="1" dirty="0">
-                <a:solidFill>
-                  <a:srgbClr val="333333"/>
-                </a:solidFill>
-                <a:latin typeface="Open Sans"/>
-              </a:rPr>
-              <a:t> </a:t>
-            </a:r>
-            <a:r>
-              <a:rPr lang="ru-RU" b="1" dirty="0">
-                <a:solidFill>
-                  <a:srgbClr val="333333"/>
-                </a:solidFill>
-                <a:latin typeface="Open Sans"/>
-              </a:rPr>
-              <a:t>анализа временных рядов</a:t>
-            </a:r>
-            <a:r>
-              <a:rPr lang="ru-RU" sz="4000" b="1" dirty="0"/>
-              <a:t>.</a:t>
-            </a:r>
-            <a:endParaRPr lang="en-US" sz="4000" dirty="0">
-              <a:latin typeface="+mn-lt"/>
-            </a:endParaRPr>
-          </a:p>
-        </p:txBody>
-      </p:sp>
-      <p:sp>
-        <p:nvSpPr>
-          <p:cNvPr id="3" name="Объект 2">
-            <a:extLst>
-              <a:ext uri="{FF2B5EF4-FFF2-40B4-BE49-F238E27FC236}">
-                <a16:creationId xmlns:a16="http://schemas.microsoft.com/office/drawing/2014/main" id="{4CDB8E57-5CA8-497C-990E-C304F4FBE710}"/>
-              </a:ext>
-            </a:extLst>
-          </p:cNvPr>
-          <p:cNvSpPr>
-            <a:spLocks noGrp="1"/>
-          </p:cNvSpPr>
-          <p:nvPr>
-            <p:ph idx="1"/>
-          </p:nvPr>
-        </p:nvSpPr>
-        <p:spPr>
-          <a:xfrm>
-            <a:off x="344169" y="1407560"/>
-            <a:ext cx="10885806" cy="4986890"/>
+            <a:off x="411454" y="1513822"/>
+            <a:ext cx="10885806" cy="5315726"/>
           </a:xfrm>
         </p:spPr>
         <p:txBody>
@@ -7116,7 +6581,7 @@
             </a:pPr>
             <a:r>
               <a:rPr lang="ru-RU" sz="2400" dirty="0"/>
-              <a:t>База данных временных рядов</a:t>
+              <a:t>Предсказание погоды</a:t>
             </a:r>
             <a:endParaRPr lang="en-US" sz="2400" dirty="0"/>
           </a:p>
@@ -7281,6 +6746,20 @@
               <a:buNone/>
               <a:tabLst/>
             </a:pPr>
+            <a:r>
+              <a:rPr kumimoji="0" lang="en-US" altLang="en-US" sz="1400" b="0" i="0" u="none" strike="noStrike" cap="none" normalizeH="0" baseline="0">
+                <a:ln>
+                  <a:noFill/>
+                </a:ln>
+                <a:solidFill>
+                  <a:schemeClr val="tx1"/>
+                </a:solidFill>
+                <a:effectLst/>
+                <a:latin typeface="Arial" panose="020B0604020202020204" pitchFamily="34" charset="0"/>
+                <a:ea typeface="Times New Roman" panose="02020603050405020304" pitchFamily="18" charset="0"/>
+              </a:rPr>
+              <a:t/>
+            </a:r>
             <a:br>
               <a:rPr kumimoji="0" lang="en-US" altLang="en-US" sz="1400" b="0" i="0" u="none" strike="noStrike" cap="none" normalizeH="0" baseline="0">
                 <a:ln>
@@ -7309,20 +6788,59 @@
       </p:sp>
       <p:pic>
         <p:nvPicPr>
-          <p:cNvPr id="37890" name="Picture 2" descr="image.png">
-            <a:extLst>
-              <a:ext uri="{FF2B5EF4-FFF2-40B4-BE49-F238E27FC236}">
-                <a16:creationId xmlns:a16="http://schemas.microsoft.com/office/drawing/2014/main" id="{FD95517E-B974-4F56-938D-581755E5A9AA}"/>
-              </a:ext>
-            </a:extLst>
-          </p:cNvPr>
+          <p:cNvPr id="7212" name="Picture 44" descr="image.png">
+            <a:extLst>
+              <a:ext uri="{FF2B5EF4-FFF2-40B4-BE49-F238E27FC236}">
+                <a16:creationId xmlns:a16="http://schemas.microsoft.com/office/drawing/2014/main" id="{E7F9585D-3270-4970-B32A-7740AA84F047}"/>
+              </a:ext>
+            </a:extLst>
+          </p:cNvPr>
+          <p:cNvPicPr>
+            <a:picLocks noChangeAspect="1" noChangeArrowheads="1"/>
+          </p:cNvPicPr>
+          <p:nvPr/>
+        </p:nvPicPr>
+        <p:blipFill rotWithShape="1">
+          <a:blip r:embed="rId2">
+            <a:extLst>
+              <a:ext uri="{28A0092B-C50C-407E-A947-70E740481C1C}">
+                <a14:useLocalDpi xmlns:a14="http://schemas.microsoft.com/office/drawing/2010/main" val="0"/>
+              </a:ext>
+            </a:extLst>
+          </a:blip>
+          <a:srcRect l="-1563" t="-1628" r="1563" b="8995"/>
+          <a:stretch/>
+        </p:blipFill>
+        <p:spPr bwMode="auto">
+          <a:xfrm>
+            <a:off x="344170" y="1926610"/>
+            <a:ext cx="7275476" cy="4052079"/>
+          </a:xfrm>
+          <a:prstGeom prst="rect">
+            <a:avLst/>
+          </a:prstGeom>
+          <a:noFill/>
+          <a:extLst>
+            <a:ext uri="{909E8E84-426E-40DD-AFC4-6F175D3DCCD1}">
+              <a14:hiddenFill xmlns:a14="http://schemas.microsoft.com/office/drawing/2010/main">
+                <a:solidFill>
+                  <a:srgbClr val="FFFFFF"/>
+                </a:solidFill>
+              </a14:hiddenFill>
+            </a:ext>
+          </a:extLst>
+        </p:spPr>
+      </p:pic>
+      <p:pic>
+        <p:nvPicPr>
+          <p:cNvPr id="9" name="Picture 2" descr="Одиннадцатилетний цикл солнечной активности — Википедия"/>
           <p:cNvPicPr>
             <a:picLocks noChangeAspect="1" noChangeArrowheads="1"/>
           </p:cNvPicPr>
           <p:nvPr/>
         </p:nvPicPr>
         <p:blipFill>
-          <a:blip r:embed="rId2">
+          <a:blip r:embed="rId3">
             <a:extLst>
               <a:ext uri="{28A0092B-C50C-407E-A947-70E740481C1C}">
                 <a14:useLocalDpi xmlns:a14="http://schemas.microsoft.com/office/drawing/2010/main" val="0"/>
@@ -7336,8 +6854,616 @@
         </p:blipFill>
         <p:spPr bwMode="auto">
           <a:xfrm>
-            <a:off x="2866488" y="1870186"/>
-            <a:ext cx="6991243" cy="4876392"/>
+            <a:off x="7778369" y="2282152"/>
+            <a:ext cx="4054981" cy="2838487"/>
+          </a:xfrm>
+          <a:prstGeom prst="rect">
+            <a:avLst/>
+          </a:prstGeom>
+          <a:noFill/>
+          <a:extLst>
+            <a:ext uri="{909E8E84-426E-40DD-AFC4-6F175D3DCCD1}">
+              <a14:hiddenFill xmlns:a14="http://schemas.microsoft.com/office/drawing/2010/main">
+                <a:solidFill>
+                  <a:srgbClr val="FFFFFF"/>
+                </a:solidFill>
+              </a14:hiddenFill>
+            </a:ext>
+          </a:extLst>
+        </p:spPr>
+      </p:pic>
+    </p:spTree>
+    <p:extLst>
+      <p:ext uri="{BB962C8B-B14F-4D97-AF65-F5344CB8AC3E}">
+        <p14:creationId xmlns:p14="http://schemas.microsoft.com/office/powerpoint/2010/main" val="2162028633"/>
+      </p:ext>
+    </p:extLst>
+  </p:cSld>
+  <p:clrMapOvr>
+    <a:masterClrMapping/>
+  </p:clrMapOvr>
+  <p:timing>
+    <p:tnLst>
+      <p:par>
+        <p:cTn id="1" dur="indefinite" restart="never" nodeType="tmRoot"/>
+      </p:par>
+    </p:tnLst>
+  </p:timing>
+</p:sld>
+</file>
+
+<file path=ppt/slides/slide14.xml><?xml version="1.0" encoding="utf-8"?>
+<p:sld xmlns:a="http://schemas.openxmlformats.org/drawingml/2006/main" xmlns:r="http://schemas.openxmlformats.org/officeDocument/2006/relationships" xmlns:p="http://schemas.openxmlformats.org/presentationml/2006/main">
+  <p:cSld>
+    <p:spTree>
+      <p:nvGrpSpPr>
+        <p:cNvPr id="1" name=""/>
+        <p:cNvGrpSpPr/>
+        <p:nvPr/>
+      </p:nvGrpSpPr>
+      <p:grpSpPr>
+        <a:xfrm>
+          <a:off x="0" y="0"/>
+          <a:ext cx="0" cy="0"/>
+          <a:chOff x="0" y="0"/>
+          <a:chExt cx="0" cy="0"/>
+        </a:xfrm>
+      </p:grpSpPr>
+      <p:sp>
+        <p:nvSpPr>
+          <p:cNvPr id="2" name="Заголовок 1">
+            <a:extLst>
+              <a:ext uri="{FF2B5EF4-FFF2-40B4-BE49-F238E27FC236}">
+                <a16:creationId xmlns:a16="http://schemas.microsoft.com/office/drawing/2014/main" id="{D3CF631B-6B89-45E6-9EA0-BE461A9A9D7E}"/>
+              </a:ext>
+            </a:extLst>
+          </p:cNvPr>
+          <p:cNvSpPr>
+            <a:spLocks noGrp="1"/>
+          </p:cNvSpPr>
+          <p:nvPr>
+            <p:ph type="title"/>
+          </p:nvPr>
+        </p:nvSpPr>
+        <p:spPr>
+          <a:xfrm>
+            <a:off x="614362" y="174626"/>
+            <a:ext cx="11101388" cy="882650"/>
+          </a:xfrm>
+        </p:spPr>
+        <p:txBody>
+          <a:bodyPr>
+            <a:noAutofit/>
+          </a:bodyPr>
+          <a:lstStyle/>
+          <a:p>
+            <a:r>
+              <a:rPr lang="ru-RU" sz="3600" b="1" dirty="0">
+                <a:solidFill>
+                  <a:srgbClr val="333333"/>
+                </a:solidFill>
+                <a:latin typeface="Open Sans"/>
+              </a:rPr>
+              <a:t>Примеры многомерных временных рядов</a:t>
+            </a:r>
+            <a:endParaRPr lang="en-US" sz="3600" dirty="0"/>
+          </a:p>
+        </p:txBody>
+      </p:sp>
+      <p:sp>
+        <p:nvSpPr>
+          <p:cNvPr id="3" name="Объект 2">
+            <a:extLst>
+              <a:ext uri="{FF2B5EF4-FFF2-40B4-BE49-F238E27FC236}">
+                <a16:creationId xmlns:a16="http://schemas.microsoft.com/office/drawing/2014/main" id="{01DDBC38-26E5-4756-800C-3254445004FC}"/>
+              </a:ext>
+            </a:extLst>
+          </p:cNvPr>
+          <p:cNvSpPr>
+            <a:spLocks noGrp="1"/>
+          </p:cNvSpPr>
+          <p:nvPr>
+            <p:ph idx="1"/>
+          </p:nvPr>
+        </p:nvSpPr>
+        <p:spPr>
+          <a:xfrm>
+            <a:off x="5448300" y="847357"/>
+            <a:ext cx="6134100" cy="1013735"/>
+          </a:xfrm>
+        </p:spPr>
+        <p:txBody>
+          <a:bodyPr>
+            <a:normAutofit/>
+          </a:bodyPr>
+          <a:lstStyle/>
+          <a:p>
+            <a:pPr marL="0" indent="0">
+              <a:buNone/>
+            </a:pPr>
+            <a:r>
+              <a:rPr lang="ru-RU" sz="1600" dirty="0"/>
+              <a:t>Пример многомерного временного ряда с измерениями, которые выполняются с разной частотой и нерегулярным временем, возможно, с пропущенными значениями.</a:t>
+            </a:r>
+            <a:endParaRPr lang="en-US" sz="1600" dirty="0"/>
+          </a:p>
+        </p:txBody>
+      </p:sp>
+      <p:pic>
+        <p:nvPicPr>
+          <p:cNvPr id="23556" name="Picture 4" descr="image.png">
+            <a:extLst>
+              <a:ext uri="{FF2B5EF4-FFF2-40B4-BE49-F238E27FC236}">
+                <a16:creationId xmlns:a16="http://schemas.microsoft.com/office/drawing/2014/main" id="{87707CEA-CD30-444F-B785-97CDA0C369D5}"/>
+              </a:ext>
+            </a:extLst>
+          </p:cNvPr>
+          <p:cNvPicPr>
+            <a:picLocks noChangeAspect="1" noChangeArrowheads="1"/>
+          </p:cNvPicPr>
+          <p:nvPr/>
+        </p:nvPicPr>
+        <p:blipFill>
+          <a:blip r:embed="rId2">
+            <a:extLst>
+              <a:ext uri="{28A0092B-C50C-407E-A947-70E740481C1C}">
+                <a14:useLocalDpi xmlns:a14="http://schemas.microsoft.com/office/drawing/2010/main" val="0"/>
+              </a:ext>
+            </a:extLst>
+          </a:blip>
+          <a:srcRect/>
+          <a:stretch>
+            <a:fillRect/>
+          </a:stretch>
+        </p:blipFill>
+        <p:spPr bwMode="auto">
+          <a:xfrm>
+            <a:off x="85723" y="1100372"/>
+            <a:ext cx="4967288" cy="5757628"/>
+          </a:xfrm>
+          <a:prstGeom prst="rect">
+            <a:avLst/>
+          </a:prstGeom>
+          <a:noFill/>
+          <a:extLst>
+            <a:ext uri="{909E8E84-426E-40DD-AFC4-6F175D3DCCD1}">
+              <a14:hiddenFill xmlns:a14="http://schemas.microsoft.com/office/drawing/2010/main">
+                <a:solidFill>
+                  <a:srgbClr val="FFFFFF"/>
+                </a:solidFill>
+              </a14:hiddenFill>
+            </a:ext>
+          </a:extLst>
+        </p:spPr>
+      </p:pic>
+      <p:pic>
+        <p:nvPicPr>
+          <p:cNvPr id="24578" name="Picture 2" descr="image.png">
+            <a:extLst>
+              <a:ext uri="{FF2B5EF4-FFF2-40B4-BE49-F238E27FC236}">
+                <a16:creationId xmlns:a16="http://schemas.microsoft.com/office/drawing/2014/main" id="{E5A02810-2265-405D-AFE6-101A7950A96A}"/>
+              </a:ext>
+            </a:extLst>
+          </p:cNvPr>
+          <p:cNvPicPr>
+            <a:picLocks noChangeAspect="1" noChangeArrowheads="1"/>
+          </p:cNvPicPr>
+          <p:nvPr/>
+        </p:nvPicPr>
+        <p:blipFill>
+          <a:blip r:embed="rId3">
+            <a:extLst>
+              <a:ext uri="{28A0092B-C50C-407E-A947-70E740481C1C}">
+                <a14:useLocalDpi xmlns:a14="http://schemas.microsoft.com/office/drawing/2010/main" val="0"/>
+              </a:ext>
+            </a:extLst>
+          </a:blip>
+          <a:srcRect/>
+          <a:stretch>
+            <a:fillRect/>
+          </a:stretch>
+        </p:blipFill>
+        <p:spPr bwMode="auto">
+          <a:xfrm>
+            <a:off x="6600450" y="1581149"/>
+            <a:ext cx="5368089" cy="5022997"/>
+          </a:xfrm>
+          <a:prstGeom prst="rect">
+            <a:avLst/>
+          </a:prstGeom>
+          <a:noFill/>
+          <a:extLst>
+            <a:ext uri="{909E8E84-426E-40DD-AFC4-6F175D3DCCD1}">
+              <a14:hiddenFill xmlns:a14="http://schemas.microsoft.com/office/drawing/2010/main">
+                <a:solidFill>
+                  <a:srgbClr val="FFFFFF"/>
+                </a:solidFill>
+              </a14:hiddenFill>
+            </a:ext>
+          </a:extLst>
+        </p:spPr>
+      </p:pic>
+    </p:spTree>
+    <p:extLst>
+      <p:ext uri="{BB962C8B-B14F-4D97-AF65-F5344CB8AC3E}">
+        <p14:creationId xmlns:p14="http://schemas.microsoft.com/office/powerpoint/2010/main" val="1945087819"/>
+      </p:ext>
+    </p:extLst>
+  </p:cSld>
+  <p:clrMapOvr>
+    <a:masterClrMapping/>
+  </p:clrMapOvr>
+  <p:timing>
+    <p:tnLst>
+      <p:par>
+        <p:cTn id="1" dur="indefinite" restart="never" nodeType="tmRoot"/>
+      </p:par>
+    </p:tnLst>
+  </p:timing>
+</p:sld>
+</file>
+
+<file path=ppt/slides/slide15.xml><?xml version="1.0" encoding="utf-8"?>
+<p:sld xmlns:a="http://schemas.openxmlformats.org/drawingml/2006/main" xmlns:r="http://schemas.openxmlformats.org/officeDocument/2006/relationships" xmlns:p="http://schemas.openxmlformats.org/presentationml/2006/main">
+  <p:cSld>
+    <p:spTree>
+      <p:nvGrpSpPr>
+        <p:cNvPr id="1" name=""/>
+        <p:cNvGrpSpPr/>
+        <p:nvPr/>
+      </p:nvGrpSpPr>
+      <p:grpSpPr>
+        <a:xfrm>
+          <a:off x="0" y="0"/>
+          <a:ext cx="0" cy="0"/>
+          <a:chOff x="0" y="0"/>
+          <a:chExt cx="0" cy="0"/>
+        </a:xfrm>
+      </p:grpSpPr>
+      <p:sp>
+        <p:nvSpPr>
+          <p:cNvPr id="2" name="Заголовок 1">
+            <a:extLst>
+              <a:ext uri="{FF2B5EF4-FFF2-40B4-BE49-F238E27FC236}">
+                <a16:creationId xmlns:a16="http://schemas.microsoft.com/office/drawing/2014/main" id="{79B0BEDB-9774-4E17-9A6B-DBCF6A1F528F}"/>
+              </a:ext>
+            </a:extLst>
+          </p:cNvPr>
+          <p:cNvSpPr>
+            <a:spLocks noGrp="1"/>
+          </p:cNvSpPr>
+          <p:nvPr>
+            <p:ph type="title"/>
+          </p:nvPr>
+        </p:nvSpPr>
+        <p:spPr>
+          <a:xfrm>
+            <a:off x="431515" y="188259"/>
+            <a:ext cx="11046110" cy="1325563"/>
+          </a:xfrm>
+        </p:spPr>
+        <p:txBody>
+          <a:bodyPr>
+            <a:normAutofit/>
+          </a:bodyPr>
+          <a:lstStyle/>
+          <a:p>
+            <a:pPr algn="ctr"/>
+            <a:r>
+              <a:rPr lang="ru-RU" b="1" dirty="0">
+                <a:solidFill>
+                  <a:srgbClr val="333333"/>
+                </a:solidFill>
+                <a:latin typeface="Open Sans"/>
+              </a:rPr>
+              <a:t>Примеры приложений</a:t>
+            </a:r>
+            <a:r>
+              <a:rPr lang="en-US" b="1" dirty="0">
+                <a:solidFill>
+                  <a:srgbClr val="333333"/>
+                </a:solidFill>
+                <a:latin typeface="Open Sans"/>
+              </a:rPr>
+              <a:t> </a:t>
+            </a:r>
+            <a:r>
+              <a:rPr lang="ru-RU" b="1" dirty="0">
+                <a:solidFill>
+                  <a:srgbClr val="333333"/>
+                </a:solidFill>
+                <a:latin typeface="Open Sans"/>
+              </a:rPr>
+              <a:t>анализа временных рядов</a:t>
+            </a:r>
+            <a:r>
+              <a:rPr lang="ru-RU" sz="4000" b="1" dirty="0"/>
+              <a:t>.</a:t>
+            </a:r>
+            <a:endParaRPr lang="en-US" sz="4000" dirty="0">
+              <a:latin typeface="+mn-lt"/>
+            </a:endParaRPr>
+          </a:p>
+        </p:txBody>
+      </p:sp>
+      <p:sp>
+        <p:nvSpPr>
+          <p:cNvPr id="3" name="Объект 2">
+            <a:extLst>
+              <a:ext uri="{FF2B5EF4-FFF2-40B4-BE49-F238E27FC236}">
+                <a16:creationId xmlns:a16="http://schemas.microsoft.com/office/drawing/2014/main" id="{4CDB8E57-5CA8-497C-990E-C304F4FBE710}"/>
+              </a:ext>
+            </a:extLst>
+          </p:cNvPr>
+          <p:cNvSpPr>
+            <a:spLocks noGrp="1"/>
+          </p:cNvSpPr>
+          <p:nvPr>
+            <p:ph idx="1"/>
+          </p:nvPr>
+        </p:nvSpPr>
+        <p:spPr>
+          <a:xfrm>
+            <a:off x="344169" y="1407560"/>
+            <a:ext cx="10885806" cy="4986890"/>
+          </a:xfrm>
+        </p:spPr>
+        <p:txBody>
+          <a:bodyPr>
+            <a:normAutofit/>
+          </a:bodyPr>
+          <a:lstStyle/>
+          <a:p>
+            <a:pPr marL="0" indent="0" eaLnBrk="0" fontAlgn="base" hangingPunct="0">
+              <a:lnSpc>
+                <a:spcPct val="100000"/>
+              </a:lnSpc>
+              <a:spcBef>
+                <a:spcPct val="0"/>
+              </a:spcBef>
+              <a:spcAft>
+                <a:spcPct val="0"/>
+              </a:spcAft>
+              <a:buNone/>
+            </a:pPr>
+            <a:r>
+              <a:rPr lang="ru-RU" sz="2400" dirty="0"/>
+              <a:t>База данных временных рядов</a:t>
+            </a:r>
+            <a:endParaRPr lang="en-US" sz="2400" dirty="0"/>
+          </a:p>
+          <a:p>
+            <a:pPr marL="0" lvl="0" indent="0" eaLnBrk="0" fontAlgn="base" hangingPunct="0">
+              <a:lnSpc>
+                <a:spcPct val="100000"/>
+              </a:lnSpc>
+              <a:spcBef>
+                <a:spcPct val="0"/>
+              </a:spcBef>
+              <a:spcAft>
+                <a:spcPct val="0"/>
+              </a:spcAft>
+              <a:buNone/>
+            </a:pPr>
+            <a:endParaRPr kumimoji="0" lang="en-US" altLang="en-US" b="0" i="0" u="none" strike="noStrike" cap="none" normalizeH="0" baseline="0" dirty="0">
+              <a:ln>
+                <a:noFill/>
+              </a:ln>
+              <a:solidFill>
+                <a:schemeClr val="tx1"/>
+              </a:solidFill>
+              <a:effectLst/>
+              <a:latin typeface="Arial" panose="020B0604020202020204" pitchFamily="34" charset="0"/>
+            </a:endParaRPr>
+          </a:p>
+          <a:p>
+            <a:endParaRPr lang="en-US" sz="2000" dirty="0"/>
+          </a:p>
+        </p:txBody>
+      </p:sp>
+      <p:sp>
+        <p:nvSpPr>
+          <p:cNvPr id="5" name="Rectangle 231">
+            <a:extLst>
+              <a:ext uri="{FF2B5EF4-FFF2-40B4-BE49-F238E27FC236}">
+                <a16:creationId xmlns:a16="http://schemas.microsoft.com/office/drawing/2014/main" id="{57F50B8E-A23A-4154-9A0C-994DE115ACE6}"/>
+              </a:ext>
+            </a:extLst>
+          </p:cNvPr>
+          <p:cNvSpPr>
+            <a:spLocks noChangeArrowheads="1"/>
+          </p:cNvSpPr>
+          <p:nvPr/>
+        </p:nvSpPr>
+        <p:spPr bwMode="auto">
+          <a:xfrm>
+            <a:off x="6167755" y="4477385"/>
+            <a:ext cx="52070" cy="10795"/>
+          </a:xfrm>
+          <a:prstGeom prst="rect">
+            <a:avLst/>
+          </a:prstGeom>
+          <a:solidFill>
+            <a:srgbClr val="000000"/>
+          </a:solidFill>
+          <a:ln>
+            <a:noFill/>
+          </a:ln>
+          <a:extLst>
+            <a:ext uri="{91240B29-F687-4F45-9708-019B960494DF}">
+              <a14:hiddenLine xmlns:a14="http://schemas.microsoft.com/office/drawing/2010/main" w="9525">
+                <a:solidFill>
+                  <a:srgbClr val="000000"/>
+                </a:solidFill>
+                <a:miter lim="800000"/>
+                <a:headEnd/>
+                <a:tailEnd/>
+              </a14:hiddenLine>
+            </a:ext>
+          </a:extLst>
+        </p:spPr>
+        <p:txBody>
+          <a:bodyPr rot="0" vert="horz" wrap="square" lIns="91440" tIns="45720" rIns="91440" bIns="45720" anchor="t" anchorCtr="0" upright="1">
+            <a:noAutofit/>
+          </a:bodyPr>
+          <a:lstStyle/>
+          <a:p>
+            <a:endParaRPr lang="en-US"/>
+          </a:p>
+        </p:txBody>
+      </p:sp>
+      <p:sp>
+        <p:nvSpPr>
+          <p:cNvPr id="6" name="Rectangle 3">
+            <a:extLst>
+              <a:ext uri="{FF2B5EF4-FFF2-40B4-BE49-F238E27FC236}">
+                <a16:creationId xmlns:a16="http://schemas.microsoft.com/office/drawing/2014/main" id="{66C52228-8C94-4CF2-AD63-BA9617333BA2}"/>
+              </a:ext>
+            </a:extLst>
+          </p:cNvPr>
+          <p:cNvSpPr>
+            <a:spLocks noChangeArrowheads="1"/>
+          </p:cNvSpPr>
+          <p:nvPr/>
+        </p:nvSpPr>
+        <p:spPr bwMode="auto">
+          <a:xfrm>
+            <a:off x="0" y="463550"/>
+            <a:ext cx="12192000" cy="0"/>
+          </a:xfrm>
+          <a:prstGeom prst="rect">
+            <a:avLst/>
+          </a:prstGeom>
+          <a:noFill/>
+          <a:ln>
+            <a:noFill/>
+          </a:ln>
+          <a:effectLst/>
+          <a:extLst>
+            <a:ext uri="{909E8E84-426E-40DD-AFC4-6F175D3DCCD1}">
+              <a14:hiddenFill xmlns:a14="http://schemas.microsoft.com/office/drawing/2010/main">
+                <a:solidFill>
+                  <a:schemeClr val="accent1"/>
+                </a:solidFill>
+              </a14:hiddenFill>
+            </a:ext>
+            <a:ext uri="{91240B29-F687-4F45-9708-019B960494DF}">
+              <a14:hiddenLine xmlns:a14="http://schemas.microsoft.com/office/drawing/2010/main" w="9525">
+                <a:solidFill>
+                  <a:schemeClr val="tx1"/>
+                </a:solidFill>
+                <a:miter lim="800000"/>
+                <a:headEnd/>
+                <a:tailEnd/>
+              </a14:hiddenLine>
+            </a:ext>
+            <a:ext uri="{AF507438-7753-43E0-B8FC-AC1667EBCBE1}">
+              <a14:hiddenEffects xmlns:a14="http://schemas.microsoft.com/office/drawing/2010/main">
+                <a:effectLst>
+                  <a:outerShdw dist="35921" dir="2700000" algn="ctr" rotWithShape="0">
+                    <a:schemeClr val="bg2"/>
+                  </a:outerShdw>
+                </a:effectLst>
+              </a14:hiddenEffects>
+            </a:ext>
+          </a:extLst>
+        </p:spPr>
+        <p:txBody>
+          <a:bodyPr vert="horz" wrap="none" lIns="91440" tIns="45720" rIns="91440" bIns="45720" numCol="1" anchor="ctr" anchorCtr="0" compatLnSpc="1">
+            <a:prstTxWarp prst="textNoShape">
+              <a:avLst/>
+            </a:prstTxWarp>
+            <a:spAutoFit/>
+          </a:bodyPr>
+          <a:lstStyle/>
+          <a:p>
+            <a:pPr marL="0" marR="0" lvl="0" indent="0" algn="l" defTabSz="914400" rtl="0" eaLnBrk="0" fontAlgn="base" latinLnBrk="0" hangingPunct="0">
+              <a:lnSpc>
+                <a:spcPct val="100000"/>
+              </a:lnSpc>
+              <a:spcBef>
+                <a:spcPct val="0"/>
+              </a:spcBef>
+              <a:spcAft>
+                <a:spcPct val="0"/>
+              </a:spcAft>
+              <a:buClrTx/>
+              <a:buSzTx/>
+              <a:buFontTx/>
+              <a:buNone/>
+              <a:tabLst/>
+            </a:pPr>
+            <a:r>
+              <a:rPr kumimoji="0" lang="en-US" altLang="en-US" sz="1400" b="0" i="0" u="none" strike="noStrike" cap="none" normalizeH="0" baseline="0">
+                <a:ln>
+                  <a:noFill/>
+                </a:ln>
+                <a:solidFill>
+                  <a:schemeClr val="tx1"/>
+                </a:solidFill>
+                <a:effectLst/>
+                <a:latin typeface="Arial" panose="020B0604020202020204" pitchFamily="34" charset="0"/>
+                <a:ea typeface="Times New Roman" panose="02020603050405020304" pitchFamily="18" charset="0"/>
+              </a:rPr>
+              <a:t/>
+            </a:r>
+            <a:br>
+              <a:rPr kumimoji="0" lang="en-US" altLang="en-US" sz="1400" b="0" i="0" u="none" strike="noStrike" cap="none" normalizeH="0" baseline="0">
+                <a:ln>
+                  <a:noFill/>
+                </a:ln>
+                <a:solidFill>
+                  <a:schemeClr val="tx1"/>
+                </a:solidFill>
+                <a:effectLst/>
+                <a:latin typeface="Arial" panose="020B0604020202020204" pitchFamily="34" charset="0"/>
+                <a:ea typeface="Times New Roman" panose="02020603050405020304" pitchFamily="18" charset="0"/>
+              </a:rPr>
+            </a:br>
+            <a:endParaRPr kumimoji="0" lang="en-US" altLang="en-US" sz="1800" b="0" i="0" u="none" strike="noStrike" cap="none" normalizeH="0" baseline="0">
+              <a:ln>
+                <a:noFill/>
+              </a:ln>
+              <a:solidFill>
+                <a:schemeClr val="tx1"/>
+              </a:solidFill>
+              <a:effectLst/>
+              <a:latin typeface="Arial" panose="020B0604020202020204" pitchFamily="34" charset="0"/>
+            </a:endParaRPr>
+          </a:p>
+        </p:txBody>
+      </p:sp>
+      <p:pic>
+        <p:nvPicPr>
+          <p:cNvPr id="37890" name="Picture 2" descr="image.png">
+            <a:extLst>
+              <a:ext uri="{FF2B5EF4-FFF2-40B4-BE49-F238E27FC236}">
+                <a16:creationId xmlns:a16="http://schemas.microsoft.com/office/drawing/2014/main" id="{FD95517E-B974-4F56-938D-581755E5A9AA}"/>
+              </a:ext>
+            </a:extLst>
+          </p:cNvPr>
+          <p:cNvPicPr>
+            <a:picLocks noChangeAspect="1" noChangeArrowheads="1"/>
+          </p:cNvPicPr>
+          <p:nvPr/>
+        </p:nvPicPr>
+        <p:blipFill>
+          <a:blip r:embed="rId2">
+            <a:extLst>
+              <a:ext uri="{28A0092B-C50C-407E-A947-70E740481C1C}">
+                <a14:useLocalDpi xmlns:a14="http://schemas.microsoft.com/office/drawing/2010/main" val="0"/>
+              </a:ext>
+            </a:extLst>
+          </a:blip>
+          <a:srcRect/>
+          <a:stretch>
+            <a:fillRect/>
+          </a:stretch>
+        </p:blipFill>
+        <p:spPr bwMode="auto">
+          <a:xfrm>
+            <a:off x="2291450" y="1789113"/>
+            <a:ext cx="7058738" cy="4923470"/>
           </a:xfrm>
           <a:prstGeom prst="rect">
             <a:avLst/>
@@ -7364,6 +7490,13 @@
   <p:clrMapOvr>
     <a:masterClrMapping/>
   </p:clrMapOvr>
+  <p:timing>
+    <p:tnLst>
+      <p:par>
+        <p:cTn id="1" dur="indefinite" restart="never" nodeType="tmRoot"/>
+      </p:par>
+    </p:tnLst>
+  </p:timing>
 </p:sld>
 </file>
 
@@ -9319,729 +9452,6 @@
     <p:extLst>
       <p:ext uri="{BB962C8B-B14F-4D97-AF65-F5344CB8AC3E}">
         <p14:creationId xmlns:p14="http://schemas.microsoft.com/office/powerpoint/2010/main" val="2222349446"/>
-      </p:ext>
-    </p:extLst>
-  </p:cSld>
-  <p:clrMapOvr>
-    <a:masterClrMapping/>
-  </p:clrMapOvr>
-</p:sld>
-</file>
-
-<file path=ppt/slides/slide18.xml><?xml version="1.0" encoding="utf-8"?>
-<p:sld xmlns:a="http://schemas.openxmlformats.org/drawingml/2006/main" xmlns:r="http://schemas.openxmlformats.org/officeDocument/2006/relationships" xmlns:p="http://schemas.openxmlformats.org/presentationml/2006/main">
-  <p:cSld>
-    <p:spTree>
-      <p:nvGrpSpPr>
-        <p:cNvPr id="1" name=""/>
-        <p:cNvGrpSpPr/>
-        <p:nvPr/>
-      </p:nvGrpSpPr>
-      <p:grpSpPr>
-        <a:xfrm>
-          <a:off x="0" y="0"/>
-          <a:ext cx="0" cy="0"/>
-          <a:chOff x="0" y="0"/>
-          <a:chExt cx="0" cy="0"/>
-        </a:xfrm>
-      </p:grpSpPr>
-      <p:sp>
-        <p:nvSpPr>
-          <p:cNvPr id="2" name="Заголовок 1">
-            <a:extLst>
-              <a:ext uri="{FF2B5EF4-FFF2-40B4-BE49-F238E27FC236}">
-                <a16:creationId xmlns:a16="http://schemas.microsoft.com/office/drawing/2014/main" id="{E5E18C16-493F-C0F6-1226-B953C44BB2B9}"/>
-              </a:ext>
-            </a:extLst>
-          </p:cNvPr>
-          <p:cNvSpPr>
-            <a:spLocks noGrp="1"/>
-          </p:cNvSpPr>
-          <p:nvPr>
-            <p:ph type="title"/>
-          </p:nvPr>
-        </p:nvSpPr>
-        <p:spPr>
-          <a:xfrm>
-            <a:off x="425824" y="0"/>
-            <a:ext cx="10515600" cy="1325563"/>
-          </a:xfrm>
-        </p:spPr>
-        <p:txBody>
-          <a:bodyPr>
-            <a:normAutofit/>
-          </a:bodyPr>
-          <a:lstStyle/>
-          <a:p>
-            <a:r>
-              <a:rPr lang="ru-RU" sz="4800" b="1" dirty="0"/>
-              <a:t>Вопросы Базовые 1й верно</a:t>
-            </a:r>
-          </a:p>
-        </p:txBody>
-      </p:sp>
-      <p:sp>
-        <p:nvSpPr>
-          <p:cNvPr id="3" name="Объект 2">
-            <a:extLst>
-              <a:ext uri="{FF2B5EF4-FFF2-40B4-BE49-F238E27FC236}">
-                <a16:creationId xmlns:a16="http://schemas.microsoft.com/office/drawing/2014/main" id="{BE421393-E6D9-4C04-F323-217F01E33B93}"/>
-              </a:ext>
-            </a:extLst>
-          </p:cNvPr>
-          <p:cNvSpPr>
-            <a:spLocks noGrp="1"/>
-          </p:cNvSpPr>
-          <p:nvPr>
-            <p:ph idx="1"/>
-          </p:nvPr>
-        </p:nvSpPr>
-        <p:spPr>
-          <a:xfrm>
-            <a:off x="506506" y="1129096"/>
-            <a:ext cx="10515600" cy="5135887"/>
-          </a:xfrm>
-        </p:spPr>
-        <p:txBody>
-          <a:bodyPr>
-            <a:normAutofit fontScale="85000" lnSpcReduction="20000"/>
-          </a:bodyPr>
-          <a:lstStyle/>
-          <a:p>
-            <a:r>
-              <a:rPr lang="ru-RU" sz="2300" b="1" dirty="0">
-                <a:ea typeface="Calibri" panose="020F0502020204030204" pitchFamily="34" charset="0"/>
-                <a:cs typeface="Times New Roman" panose="02020603050405020304" pitchFamily="18" charset="0"/>
-              </a:rPr>
-              <a:t>Временные ряды (ВР) — </a:t>
-            </a:r>
-            <a:r>
-              <a:rPr lang="ru-RU" sz="2300" dirty="0">
-                <a:ea typeface="Calibri" panose="020F0502020204030204" pitchFamily="34" charset="0"/>
-                <a:cs typeface="Times New Roman" panose="02020603050405020304" pitchFamily="18" charset="0"/>
-              </a:rPr>
-              <a:t>это </a:t>
-            </a:r>
-          </a:p>
-          <a:p>
-            <a:pPr marL="514350" indent="-514350">
-              <a:buFont typeface="+mj-lt"/>
-              <a:buAutoNum type="arabicPeriod"/>
-            </a:pPr>
-            <a:r>
-              <a:rPr lang="ru-RU" sz="2300" dirty="0">
-                <a:ea typeface="Calibri" panose="020F0502020204030204" pitchFamily="34" charset="0"/>
-                <a:cs typeface="Times New Roman" panose="02020603050405020304" pitchFamily="18" charset="0"/>
-              </a:rPr>
-              <a:t>набор оцифрованных проиндексированных значений в заданном порядке. </a:t>
-            </a:r>
-          </a:p>
-          <a:p>
-            <a:pPr marL="514350" indent="-514350">
-              <a:buFont typeface="+mj-lt"/>
-              <a:buAutoNum type="arabicPeriod"/>
-            </a:pPr>
-            <a:r>
-              <a:rPr lang="ru-RU" sz="2300" dirty="0">
-                <a:ea typeface="Calibri" panose="020F0502020204030204" pitchFamily="34" charset="0"/>
-                <a:cs typeface="Times New Roman" panose="02020603050405020304" pitchFamily="18" charset="0"/>
-              </a:rPr>
-              <a:t>Набор оцифрованных записей в произвольном порядке</a:t>
-            </a:r>
-          </a:p>
-          <a:p>
-            <a:pPr marL="514350" indent="-514350">
-              <a:buFont typeface="+mj-lt"/>
-              <a:buAutoNum type="arabicPeriod"/>
-            </a:pPr>
-            <a:r>
-              <a:rPr lang="ru-RU" sz="2300" dirty="0">
-                <a:ea typeface="Calibri" panose="020F0502020204030204" pitchFamily="34" charset="0"/>
-                <a:cs typeface="Times New Roman" panose="02020603050405020304" pitchFamily="18" charset="0"/>
-              </a:rPr>
-              <a:t>Набор оцифрованных записей текста</a:t>
-            </a:r>
-          </a:p>
-          <a:p>
-            <a:pPr marL="514350" indent="-514350">
-              <a:buFont typeface="+mj-lt"/>
-              <a:buAutoNum type="arabicPeriod"/>
-            </a:pPr>
-            <a:r>
-              <a:rPr lang="ru-RU" sz="2300" dirty="0">
-                <a:ea typeface="Calibri" panose="020F0502020204030204" pitchFamily="34" charset="0"/>
-                <a:cs typeface="Times New Roman" panose="02020603050405020304" pitchFamily="18" charset="0"/>
-              </a:rPr>
-              <a:t>Набор оцифрованных изображений</a:t>
-            </a:r>
-          </a:p>
-          <a:p>
-            <a:r>
-              <a:rPr lang="ru-RU" sz="2300" b="1" dirty="0">
-                <a:ea typeface="Calibri" panose="020F0502020204030204" pitchFamily="34" charset="0"/>
-                <a:cs typeface="Times New Roman" panose="02020603050405020304" pitchFamily="18" charset="0"/>
-              </a:rPr>
-              <a:t>Анализ временных рядов (ВР)</a:t>
-            </a:r>
-            <a:r>
-              <a:rPr lang="ru-RU" sz="2300" dirty="0">
-                <a:ea typeface="Calibri" panose="020F0502020204030204" pitchFamily="34" charset="0"/>
-                <a:cs typeface="Times New Roman" panose="02020603050405020304" pitchFamily="18" charset="0"/>
-              </a:rPr>
-              <a:t> - это </a:t>
-            </a:r>
-          </a:p>
-          <a:p>
-            <a:pPr marL="514350" indent="-514350">
-              <a:buFont typeface="+mj-lt"/>
-              <a:buAutoNum type="arabicPeriod"/>
-            </a:pPr>
-            <a:r>
-              <a:rPr lang="ru-RU" sz="2300" dirty="0">
-                <a:ea typeface="Calibri" panose="020F0502020204030204" pitchFamily="34" charset="0"/>
-                <a:cs typeface="Times New Roman" panose="02020603050405020304" pitchFamily="18" charset="0"/>
-              </a:rPr>
-              <a:t>Набор методов для получения информации о параметрах/свойства ВР</a:t>
-            </a:r>
-          </a:p>
-          <a:p>
-            <a:pPr marL="514350" indent="-514350">
-              <a:buFont typeface="+mj-lt"/>
-              <a:buAutoNum type="arabicPeriod"/>
-            </a:pPr>
-            <a:r>
-              <a:rPr lang="ru-RU" sz="2300" dirty="0">
-                <a:ea typeface="Calibri" panose="020F0502020204030204" pitchFamily="34" charset="0"/>
-                <a:cs typeface="Times New Roman" panose="02020603050405020304" pitchFamily="18" charset="0"/>
-              </a:rPr>
-              <a:t>Набор методов расположения записей ВР в заданном порядке</a:t>
-            </a:r>
-          </a:p>
-          <a:p>
-            <a:pPr marL="514350" indent="-514350">
-              <a:buFont typeface="+mj-lt"/>
-              <a:buAutoNum type="arabicPeriod"/>
-            </a:pPr>
-            <a:r>
-              <a:rPr lang="ru-RU" sz="2300" dirty="0">
-                <a:ea typeface="Calibri" panose="020F0502020204030204" pitchFamily="34" charset="0"/>
-                <a:cs typeface="Times New Roman" panose="02020603050405020304" pitchFamily="18" charset="0"/>
-              </a:rPr>
-              <a:t>Набор методов визуализации записей ВР в заданном порядке</a:t>
-            </a:r>
-          </a:p>
-          <a:p>
-            <a:pPr marL="514350" indent="-514350">
-              <a:buFont typeface="+mj-lt"/>
-              <a:buAutoNum type="arabicPeriod"/>
-            </a:pPr>
-            <a:r>
-              <a:rPr lang="ru-RU" sz="2300" dirty="0">
-                <a:ea typeface="Calibri" panose="020F0502020204030204" pitchFamily="34" charset="0"/>
-                <a:cs typeface="Times New Roman" panose="02020603050405020304" pitchFamily="18" charset="0"/>
-              </a:rPr>
-              <a:t>Набор методов визуализации записей параметров/свойств ВР</a:t>
-            </a:r>
-          </a:p>
-          <a:p>
-            <a:r>
-              <a:rPr lang="ru-RU" sz="2400" b="1" dirty="0"/>
-              <a:t>Типичные задачи анализа временных рядов</a:t>
-            </a:r>
-            <a:r>
-              <a:rPr lang="ru-RU" sz="2300" b="1" dirty="0">
-                <a:ea typeface="Calibri" panose="020F0502020204030204" pitchFamily="34" charset="0"/>
-                <a:cs typeface="Times New Roman" panose="02020603050405020304" pitchFamily="18" charset="0"/>
-              </a:rPr>
-              <a:t> (ВР)</a:t>
-            </a:r>
-            <a:r>
-              <a:rPr lang="ru-RU" sz="2300" dirty="0">
-                <a:ea typeface="Calibri" panose="020F0502020204030204" pitchFamily="34" charset="0"/>
-                <a:cs typeface="Times New Roman" panose="02020603050405020304" pitchFamily="18" charset="0"/>
-              </a:rPr>
-              <a:t> - это </a:t>
-            </a:r>
-          </a:p>
-          <a:p>
-            <a:pPr marL="514350" indent="-514350">
-              <a:buFont typeface="+mj-lt"/>
-              <a:buAutoNum type="arabicPeriod"/>
-            </a:pPr>
-            <a:r>
-              <a:rPr lang="ru-RU" sz="2300" dirty="0">
-                <a:ea typeface="Calibri" panose="020F0502020204030204" pitchFamily="34" charset="0"/>
-                <a:cs typeface="Times New Roman" panose="02020603050405020304" pitchFamily="18" charset="0"/>
-              </a:rPr>
-              <a:t>Предсказание будущих значений</a:t>
-            </a:r>
-          </a:p>
-          <a:p>
-            <a:pPr marL="514350" indent="-514350">
-              <a:buFont typeface="+mj-lt"/>
-              <a:buAutoNum type="arabicPeriod"/>
-            </a:pPr>
-            <a:r>
-              <a:rPr lang="ru-RU" sz="2300" dirty="0">
-                <a:ea typeface="Calibri" panose="020F0502020204030204" pitchFamily="34" charset="0"/>
-                <a:cs typeface="Times New Roman" panose="02020603050405020304" pitchFamily="18" charset="0"/>
-              </a:rPr>
-              <a:t>Сравнение случайных значений ВР</a:t>
-            </a:r>
-          </a:p>
-          <a:p>
-            <a:pPr marL="514350" indent="-514350">
-              <a:buFont typeface="+mj-lt"/>
-              <a:buAutoNum type="arabicPeriod"/>
-            </a:pPr>
-            <a:r>
-              <a:rPr lang="ru-RU" sz="2300" dirty="0">
-                <a:ea typeface="Calibri" panose="020F0502020204030204" pitchFamily="34" charset="0"/>
-                <a:cs typeface="Times New Roman" panose="02020603050405020304" pitchFamily="18" charset="0"/>
-              </a:rPr>
-              <a:t>Снижение размерности случайных значений ВР</a:t>
-            </a:r>
-          </a:p>
-          <a:p>
-            <a:pPr marL="514350" indent="-514350">
-              <a:buFont typeface="+mj-lt"/>
-              <a:buAutoNum type="arabicPeriod"/>
-            </a:pPr>
-            <a:r>
-              <a:rPr lang="ru-RU" sz="2400" dirty="0">
-                <a:ea typeface="Calibri" panose="020F0502020204030204" pitchFamily="34" charset="0"/>
-                <a:cs typeface="Times New Roman" panose="02020603050405020304" pitchFamily="18" charset="0"/>
-              </a:rPr>
-              <a:t>Классификация случайных значений ВР</a:t>
-            </a:r>
-          </a:p>
-          <a:p>
-            <a:pPr marL="514350" indent="-514350">
-              <a:buFont typeface="+mj-lt"/>
-              <a:buAutoNum type="arabicPeriod"/>
-            </a:pPr>
-            <a:endParaRPr lang="ru-RU" dirty="0">
-              <a:ea typeface="Calibri" panose="020F0502020204030204" pitchFamily="34" charset="0"/>
-              <a:cs typeface="Times New Roman" panose="02020603050405020304" pitchFamily="18" charset="0"/>
-            </a:endParaRPr>
-          </a:p>
-          <a:p>
-            <a:pPr marL="514350" indent="-514350">
-              <a:buFont typeface="+mj-lt"/>
-              <a:buAutoNum type="arabicPeriod"/>
-            </a:pPr>
-            <a:endParaRPr lang="ru-RU" dirty="0">
-              <a:ea typeface="Calibri" panose="020F0502020204030204" pitchFamily="34" charset="0"/>
-              <a:cs typeface="Times New Roman" panose="02020603050405020304" pitchFamily="18" charset="0"/>
-            </a:endParaRPr>
-          </a:p>
-          <a:p>
-            <a:endParaRPr lang="ru-RU" dirty="0"/>
-          </a:p>
-        </p:txBody>
-      </p:sp>
-    </p:spTree>
-    <p:extLst>
-      <p:ext uri="{BB962C8B-B14F-4D97-AF65-F5344CB8AC3E}">
-        <p14:creationId xmlns:p14="http://schemas.microsoft.com/office/powerpoint/2010/main" val="456659160"/>
-      </p:ext>
-    </p:extLst>
-  </p:cSld>
-  <p:clrMapOvr>
-    <a:masterClrMapping/>
-  </p:clrMapOvr>
-</p:sld>
-</file>
-
-<file path=ppt/slides/slide19.xml><?xml version="1.0" encoding="utf-8"?>
-<p:sld xmlns:a="http://schemas.openxmlformats.org/drawingml/2006/main" xmlns:r="http://schemas.openxmlformats.org/officeDocument/2006/relationships" xmlns:p="http://schemas.openxmlformats.org/presentationml/2006/main">
-  <p:cSld>
-    <p:spTree>
-      <p:nvGrpSpPr>
-        <p:cNvPr id="1" name=""/>
-        <p:cNvGrpSpPr/>
-        <p:nvPr/>
-      </p:nvGrpSpPr>
-      <p:grpSpPr>
-        <a:xfrm>
-          <a:off x="0" y="0"/>
-          <a:ext cx="0" cy="0"/>
-          <a:chOff x="0" y="0"/>
-          <a:chExt cx="0" cy="0"/>
-        </a:xfrm>
-      </p:grpSpPr>
-      <p:sp>
-        <p:nvSpPr>
-          <p:cNvPr id="2" name="Заголовок 1">
-            <a:extLst>
-              <a:ext uri="{FF2B5EF4-FFF2-40B4-BE49-F238E27FC236}">
-                <a16:creationId xmlns:a16="http://schemas.microsoft.com/office/drawing/2014/main" id="{E5E18C16-493F-C0F6-1226-B953C44BB2B9}"/>
-              </a:ext>
-            </a:extLst>
-          </p:cNvPr>
-          <p:cNvSpPr>
-            <a:spLocks noGrp="1"/>
-          </p:cNvSpPr>
-          <p:nvPr>
-            <p:ph type="title"/>
-          </p:nvPr>
-        </p:nvSpPr>
-        <p:spPr>
-          <a:xfrm>
-            <a:off x="398929" y="0"/>
-            <a:ext cx="10515600" cy="1325563"/>
-          </a:xfrm>
-        </p:spPr>
-        <p:txBody>
-          <a:bodyPr>
-            <a:normAutofit/>
-          </a:bodyPr>
-          <a:lstStyle/>
-          <a:p>
-            <a:r>
-              <a:rPr lang="ru-RU" sz="4800" b="1" dirty="0"/>
-              <a:t>Вопросы Продвинутые </a:t>
-            </a:r>
-            <a:r>
-              <a:rPr lang="en-US" sz="4800" b="1" dirty="0"/>
-              <a:t>(X)-</a:t>
-            </a:r>
-            <a:r>
-              <a:rPr lang="ru-RU" sz="4800" b="1" dirty="0"/>
-              <a:t>верно</a:t>
-            </a:r>
-          </a:p>
-        </p:txBody>
-      </p:sp>
-      <p:sp>
-        <p:nvSpPr>
-          <p:cNvPr id="3" name="Объект 2">
-            <a:extLst>
-              <a:ext uri="{FF2B5EF4-FFF2-40B4-BE49-F238E27FC236}">
-                <a16:creationId xmlns:a16="http://schemas.microsoft.com/office/drawing/2014/main" id="{BE421393-E6D9-4C04-F323-217F01E33B93}"/>
-              </a:ext>
-            </a:extLst>
-          </p:cNvPr>
-          <p:cNvSpPr>
-            <a:spLocks noGrp="1"/>
-          </p:cNvSpPr>
-          <p:nvPr>
-            <p:ph idx="1"/>
-          </p:nvPr>
-        </p:nvSpPr>
-        <p:spPr>
-          <a:xfrm>
-            <a:off x="398929" y="1075308"/>
-            <a:ext cx="10515600" cy="5666151"/>
-          </a:xfrm>
-        </p:spPr>
-        <p:txBody>
-          <a:bodyPr>
-            <a:normAutofit fontScale="92500" lnSpcReduction="20000"/>
-          </a:bodyPr>
-          <a:lstStyle/>
-          <a:p>
-            <a:r>
-              <a:rPr lang="ru-RU" sz="2300" b="1" dirty="0">
-                <a:ea typeface="Calibri" panose="020F0502020204030204" pitchFamily="34" charset="0"/>
-                <a:cs typeface="Times New Roman" panose="02020603050405020304" pitchFamily="18" charset="0"/>
-              </a:rPr>
-              <a:t>Выберите примеры временных рядов (ВР) </a:t>
-            </a:r>
-          </a:p>
-          <a:p>
-            <a:pPr marL="971550" lvl="1" indent="-514350">
-              <a:buFont typeface="+mj-lt"/>
-              <a:buAutoNum type="arabicPeriod"/>
-            </a:pPr>
-            <a:r>
-              <a:rPr lang="ru-RU" dirty="0">
-                <a:cs typeface="Times New Roman" panose="02020603050405020304" pitchFamily="18" charset="0"/>
-              </a:rPr>
-              <a:t>База данных о загруженности </a:t>
-            </a:r>
-            <a:r>
-              <a:rPr lang="ru-RU" dirty="0" err="1">
-                <a:cs typeface="Times New Roman" panose="02020603050405020304" pitchFamily="18" charset="0"/>
-              </a:rPr>
-              <a:t>колл</a:t>
-            </a:r>
-            <a:r>
-              <a:rPr lang="ru-RU" dirty="0">
-                <a:cs typeface="Times New Roman" panose="02020603050405020304" pitchFamily="18" charset="0"/>
-              </a:rPr>
-              <a:t>-центра (х)</a:t>
-            </a:r>
-          </a:p>
-          <a:p>
-            <a:pPr marL="971550" lvl="1" indent="-514350">
-              <a:buFont typeface="+mj-lt"/>
-              <a:buAutoNum type="arabicPeriod"/>
-            </a:pPr>
-            <a:r>
-              <a:rPr lang="ru-RU" dirty="0">
-                <a:cs typeface="Times New Roman" panose="02020603050405020304" pitchFamily="18" charset="0"/>
-              </a:rPr>
-              <a:t>Данные датчиков о поведении напряжения в сети (х)</a:t>
-            </a:r>
-          </a:p>
-          <a:p>
-            <a:pPr marL="971550" lvl="1" indent="-514350">
-              <a:buFont typeface="+mj-lt"/>
-              <a:buAutoNum type="arabicPeriod"/>
-            </a:pPr>
-            <a:r>
-              <a:rPr lang="ru-RU" dirty="0">
-                <a:cs typeface="Times New Roman" panose="02020603050405020304" pitchFamily="18" charset="0"/>
-              </a:rPr>
-              <a:t>База анкет клиентов банка</a:t>
-            </a:r>
-          </a:p>
-          <a:p>
-            <a:pPr marL="971550" lvl="1" indent="-514350">
-              <a:buFont typeface="+mj-lt"/>
-              <a:buAutoNum type="arabicPeriod"/>
-            </a:pPr>
-            <a:r>
-              <a:rPr lang="ru-RU" dirty="0">
-                <a:cs typeface="Times New Roman" panose="02020603050405020304" pitchFamily="18" charset="0"/>
-              </a:rPr>
-              <a:t>База изображений дефектов выплавки металла</a:t>
-            </a:r>
-          </a:p>
-          <a:p>
-            <a:pPr marL="971550" lvl="1" indent="-514350">
-              <a:buFont typeface="+mj-lt"/>
-              <a:buAutoNum type="arabicPeriod"/>
-            </a:pPr>
-            <a:r>
-              <a:rPr lang="ru-RU" dirty="0">
-                <a:cs typeface="Times New Roman" panose="02020603050405020304" pitchFamily="18" charset="0"/>
-              </a:rPr>
-              <a:t>База диагнозов пациентов клиники</a:t>
-            </a:r>
-          </a:p>
-          <a:p>
-            <a:r>
-              <a:rPr lang="ru-RU" sz="2300" b="1" dirty="0">
-                <a:ea typeface="Calibri" panose="020F0502020204030204" pitchFamily="34" charset="0"/>
-                <a:cs typeface="Times New Roman" panose="02020603050405020304" pitchFamily="18" charset="0"/>
-              </a:rPr>
-              <a:t>Выберите примеры типичных задачи предсказания ВР</a:t>
-            </a:r>
-          </a:p>
-          <a:p>
-            <a:pPr marL="971550" lvl="1" indent="-514350">
-              <a:buFont typeface="+mj-lt"/>
-              <a:buAutoNum type="arabicPeriod"/>
-            </a:pPr>
-            <a:r>
-              <a:rPr lang="ru-RU" dirty="0">
-                <a:cs typeface="Times New Roman" panose="02020603050405020304" pitchFamily="18" charset="0"/>
-              </a:rPr>
-              <a:t>Определения будущих знаний погоды (х)</a:t>
-            </a:r>
-          </a:p>
-          <a:p>
-            <a:pPr marL="971550" lvl="1" indent="-514350">
-              <a:buFont typeface="+mj-lt"/>
-              <a:buAutoNum type="arabicPeriod"/>
-            </a:pPr>
-            <a:r>
-              <a:rPr lang="ru-RU" dirty="0">
-                <a:cs typeface="Times New Roman" panose="02020603050405020304" pitchFamily="18" charset="0"/>
-              </a:rPr>
-              <a:t>Определение времени выхода из строя оборудования по вибрациям(х)</a:t>
-            </a:r>
-          </a:p>
-          <a:p>
-            <a:pPr marL="971550" lvl="1" indent="-514350">
-              <a:buFont typeface="+mj-lt"/>
-              <a:buAutoNum type="arabicPeriod"/>
-            </a:pPr>
-            <a:r>
-              <a:rPr lang="ru-RU" dirty="0">
-                <a:cs typeface="Times New Roman" panose="02020603050405020304" pitchFamily="18" charset="0"/>
-              </a:rPr>
-              <a:t>Постановка диагноза о заболевании по ЭКГ пациента</a:t>
-            </a:r>
-          </a:p>
-          <a:p>
-            <a:pPr marL="971550" lvl="1" indent="-514350">
-              <a:buFont typeface="+mj-lt"/>
-              <a:buAutoNum type="arabicPeriod"/>
-            </a:pPr>
-            <a:r>
-              <a:rPr lang="ru-RU" dirty="0">
-                <a:cs typeface="Times New Roman" panose="02020603050405020304" pitchFamily="18" charset="0"/>
-              </a:rPr>
-              <a:t>Определение скачка напряжения в сети по его замерам</a:t>
-            </a:r>
-          </a:p>
-          <a:p>
-            <a:pPr marL="971550" lvl="1" indent="-514350">
-              <a:buFont typeface="+mj-lt"/>
-              <a:buAutoNum type="arabicPeriod"/>
-            </a:pPr>
-            <a:r>
-              <a:rPr lang="ru-RU" dirty="0">
-                <a:cs typeface="Times New Roman" panose="02020603050405020304" pitchFamily="18" charset="0"/>
-              </a:rPr>
-              <a:t>Визуализация сезонных зависимостей в стоимости продукта</a:t>
-            </a:r>
-          </a:p>
-          <a:p>
-            <a:r>
-              <a:rPr lang="ru-RU" sz="2300" b="1" dirty="0">
-                <a:ea typeface="Calibri" panose="020F0502020204030204" pitchFamily="34" charset="0"/>
-                <a:cs typeface="Times New Roman" panose="02020603050405020304" pitchFamily="18" charset="0"/>
-              </a:rPr>
-              <a:t>Выберите примеры задач, которые можно сводить </a:t>
-            </a:r>
-            <a:r>
-              <a:rPr lang="ru-RU" sz="2300" b="1">
-                <a:ea typeface="Calibri" panose="020F0502020204030204" pitchFamily="34" charset="0"/>
-                <a:cs typeface="Times New Roman" panose="02020603050405020304" pitchFamily="18" charset="0"/>
-              </a:rPr>
-              <a:t>к анализу ВР</a:t>
-            </a:r>
-            <a:endParaRPr lang="ru-RU" sz="2300" b="1" dirty="0">
-              <a:ea typeface="Calibri" panose="020F0502020204030204" pitchFamily="34" charset="0"/>
-              <a:cs typeface="Times New Roman" panose="02020603050405020304" pitchFamily="18" charset="0"/>
-            </a:endParaRPr>
-          </a:p>
-          <a:p>
-            <a:pPr marL="914400" lvl="1" indent="-457200">
-              <a:buFont typeface="+mj-lt"/>
-              <a:buAutoNum type="arabicPeriod"/>
-            </a:pPr>
-            <a:r>
-              <a:rPr lang="ru-RU" sz="1900" dirty="0">
-                <a:ea typeface="Calibri" panose="020F0502020204030204" pitchFamily="34" charset="0"/>
-                <a:cs typeface="Times New Roman" panose="02020603050405020304" pitchFamily="18" charset="0"/>
-              </a:rPr>
-              <a:t>Анализ кардиограммы пациента</a:t>
-            </a:r>
-            <a:r>
-              <a:rPr lang="ru-RU" sz="2000" dirty="0">
-                <a:cs typeface="Times New Roman" panose="02020603050405020304" pitchFamily="18" charset="0"/>
-              </a:rPr>
-              <a:t>(х)</a:t>
-            </a:r>
-            <a:endParaRPr lang="ru-RU" sz="1900" dirty="0">
-              <a:ea typeface="Calibri" panose="020F0502020204030204" pitchFamily="34" charset="0"/>
-              <a:cs typeface="Times New Roman" panose="02020603050405020304" pitchFamily="18" charset="0"/>
-            </a:endParaRPr>
-          </a:p>
-          <a:p>
-            <a:pPr marL="914400" lvl="1" indent="-457200">
-              <a:buFont typeface="+mj-lt"/>
-              <a:buAutoNum type="arabicPeriod"/>
-            </a:pPr>
-            <a:r>
-              <a:rPr lang="ru-RU" sz="1900" dirty="0">
-                <a:ea typeface="Calibri" panose="020F0502020204030204" pitchFamily="34" charset="0"/>
-                <a:cs typeface="Times New Roman" panose="02020603050405020304" pitchFamily="18" charset="0"/>
-              </a:rPr>
-              <a:t>Анализ информации о перемещение объекта на видеозаписи</a:t>
-            </a:r>
-            <a:r>
-              <a:rPr lang="ru-RU" sz="2000" dirty="0">
-                <a:cs typeface="Times New Roman" panose="02020603050405020304" pitchFamily="18" charset="0"/>
-              </a:rPr>
-              <a:t>(х)</a:t>
-            </a:r>
-          </a:p>
-          <a:p>
-            <a:pPr marL="914400" lvl="1" indent="-457200">
-              <a:buFont typeface="+mj-lt"/>
-              <a:buAutoNum type="arabicPeriod"/>
-            </a:pPr>
-            <a:r>
-              <a:rPr lang="ru-RU" sz="2000" dirty="0">
-                <a:cs typeface="Times New Roman" panose="02020603050405020304" pitchFamily="18" charset="0"/>
-              </a:rPr>
-              <a:t>Анализ риска невыплат кредита по первоначальной анкета</a:t>
-            </a:r>
-          </a:p>
-          <a:p>
-            <a:pPr marL="914400" lvl="1" indent="-457200">
-              <a:buFont typeface="+mj-lt"/>
-              <a:buAutoNum type="arabicPeriod"/>
-            </a:pPr>
-            <a:r>
-              <a:rPr lang="ru-RU" sz="2000" dirty="0">
-                <a:cs typeface="Times New Roman" panose="02020603050405020304" pitchFamily="18" charset="0"/>
-              </a:rPr>
-              <a:t>Анализ размера опухали на изображении</a:t>
-            </a:r>
-          </a:p>
-          <a:p>
-            <a:pPr marL="914400" lvl="1" indent="-457200">
-              <a:buFont typeface="+mj-lt"/>
-              <a:buAutoNum type="arabicPeriod"/>
-            </a:pPr>
-            <a:r>
-              <a:rPr lang="ru-RU" sz="2000" dirty="0">
-                <a:cs typeface="Times New Roman" panose="02020603050405020304" pitchFamily="18" charset="0"/>
-              </a:rPr>
-              <a:t>Анализ цены автомобиля по его параметрам</a:t>
-            </a:r>
-          </a:p>
-          <a:p>
-            <a:pPr marL="914400" lvl="1" indent="-457200">
-              <a:buFont typeface="+mj-lt"/>
-              <a:buAutoNum type="arabicPeriod"/>
-            </a:pPr>
-            <a:endParaRPr lang="ru-RU" sz="2000" dirty="0">
-              <a:cs typeface="Times New Roman" panose="02020603050405020304" pitchFamily="18" charset="0"/>
-            </a:endParaRPr>
-          </a:p>
-          <a:p>
-            <a:pPr marL="914400" lvl="1" indent="-457200">
-              <a:buFont typeface="+mj-lt"/>
-              <a:buAutoNum type="arabicPeriod"/>
-            </a:pPr>
-            <a:endParaRPr lang="ru-RU" sz="2000" dirty="0">
-              <a:cs typeface="Times New Roman" panose="02020603050405020304" pitchFamily="18" charset="0"/>
-            </a:endParaRPr>
-          </a:p>
-          <a:p>
-            <a:pPr marL="914400" lvl="1" indent="-457200">
-              <a:buFont typeface="+mj-lt"/>
-              <a:buAutoNum type="arabicPeriod"/>
-            </a:pPr>
-            <a:endParaRPr lang="ru-RU" sz="1900" dirty="0">
-              <a:ea typeface="Calibri" panose="020F0502020204030204" pitchFamily="34" charset="0"/>
-              <a:cs typeface="Times New Roman" panose="02020603050405020304" pitchFamily="18" charset="0"/>
-            </a:endParaRPr>
-          </a:p>
-          <a:p>
-            <a:pPr marL="914400" lvl="1" indent="-457200">
-              <a:buFont typeface="+mj-lt"/>
-              <a:buAutoNum type="arabicPeriod"/>
-            </a:pPr>
-            <a:endParaRPr lang="ru-RU" sz="1900" dirty="0">
-              <a:ea typeface="Calibri" panose="020F0502020204030204" pitchFamily="34" charset="0"/>
-              <a:cs typeface="Times New Roman" panose="02020603050405020304" pitchFamily="18" charset="0"/>
-            </a:endParaRPr>
-          </a:p>
-          <a:p>
-            <a:pPr marL="914400" lvl="1" indent="-457200">
-              <a:buFont typeface="+mj-lt"/>
-              <a:buAutoNum type="arabicPeriod"/>
-            </a:pPr>
-            <a:endParaRPr lang="ru-RU" sz="1900" b="1" dirty="0">
-              <a:ea typeface="Calibri" panose="020F0502020204030204" pitchFamily="34" charset="0"/>
-              <a:cs typeface="Times New Roman" panose="02020603050405020304" pitchFamily="18" charset="0"/>
-            </a:endParaRPr>
-          </a:p>
-        </p:txBody>
-      </p:sp>
-    </p:spTree>
-    <p:extLst>
-      <p:ext uri="{BB962C8B-B14F-4D97-AF65-F5344CB8AC3E}">
-        <p14:creationId xmlns:p14="http://schemas.microsoft.com/office/powerpoint/2010/main" val="178170936"/>
       </p:ext>
     </p:extLst>
   </p:cSld>
@@ -11392,6 +10802,13 @@
   <p:clrMapOvr>
     <a:masterClrMapping/>
   </p:clrMapOvr>
+  <p:timing>
+    <p:tnLst>
+      <p:par>
+        <p:cTn id="1" dur="indefinite" restart="never" nodeType="tmRoot"/>
+      </p:par>
+    </p:tnLst>
+  </p:timing>
 </p:sld>
 </file>
 
@@ -11725,6 +11142,20 @@
               <a:buNone/>
               <a:tabLst/>
             </a:pPr>
+            <a:r>
+              <a:rPr kumimoji="0" lang="en-US" altLang="en-US" sz="1400" b="0" i="0" u="none" strike="noStrike" cap="none" normalizeH="0" baseline="0">
+                <a:ln>
+                  <a:noFill/>
+                </a:ln>
+                <a:solidFill>
+                  <a:schemeClr val="tx1"/>
+                </a:solidFill>
+                <a:effectLst/>
+                <a:latin typeface="Arial" panose="020B0604020202020204" pitchFamily="34" charset="0"/>
+                <a:ea typeface="Times New Roman" panose="02020603050405020304" pitchFamily="18" charset="0"/>
+              </a:rPr>
+              <a:t/>
+            </a:r>
             <a:br>
               <a:rPr kumimoji="0" lang="en-US" altLang="en-US" sz="1400" b="0" i="0" u="none" strike="noStrike" cap="none" normalizeH="0" baseline="0">
                 <a:ln>
@@ -11761,6 +11192,13 @@
   <p:clrMapOvr>
     <a:masterClrMapping/>
   </p:clrMapOvr>
+  <p:timing>
+    <p:tnLst>
+      <p:par>
+        <p:cTn id="1" dur="indefinite" restart="never" nodeType="tmRoot"/>
+      </p:par>
+    </p:tnLst>
+  </p:timing>
 </p:sld>
 </file>
 
@@ -12079,6 +11517,20 @@
               <a:buNone/>
               <a:tabLst/>
             </a:pPr>
+            <a:r>
+              <a:rPr kumimoji="0" lang="en-US" altLang="en-US" sz="1400" b="0" i="0" u="none" strike="noStrike" cap="none" normalizeH="0" baseline="0">
+                <a:ln>
+                  <a:noFill/>
+                </a:ln>
+                <a:solidFill>
+                  <a:schemeClr val="tx1"/>
+                </a:solidFill>
+                <a:effectLst/>
+                <a:latin typeface="Arial" panose="020B0604020202020204" pitchFamily="34" charset="0"/>
+                <a:ea typeface="Times New Roman" panose="02020603050405020304" pitchFamily="18" charset="0"/>
+              </a:rPr>
+              <a:t/>
+            </a:r>
             <a:br>
               <a:rPr kumimoji="0" lang="en-US" altLang="en-US" sz="1400" b="0" i="0" u="none" strike="noStrike" cap="none" normalizeH="0" baseline="0">
                 <a:ln>
@@ -12115,6 +11567,13 @@
   <p:clrMapOvr>
     <a:masterClrMapping/>
   </p:clrMapOvr>
+  <p:timing>
+    <p:tnLst>
+      <p:par>
+        <p:cTn id="1" dur="indefinite" restart="never" nodeType="tmRoot"/>
+      </p:par>
+    </p:tnLst>
+  </p:timing>
 </p:sld>
 </file>
 
@@ -12365,6 +11824,20 @@
               <a:buNone/>
               <a:tabLst/>
             </a:pPr>
+            <a:r>
+              <a:rPr kumimoji="0" lang="en-US" altLang="en-US" sz="1400" b="0" i="0" u="none" strike="noStrike" cap="none" normalizeH="0" baseline="0">
+                <a:ln>
+                  <a:noFill/>
+                </a:ln>
+                <a:solidFill>
+                  <a:schemeClr val="tx1"/>
+                </a:solidFill>
+                <a:effectLst/>
+                <a:latin typeface="Arial" panose="020B0604020202020204" pitchFamily="34" charset="0"/>
+                <a:ea typeface="Times New Roman" panose="02020603050405020304" pitchFamily="18" charset="0"/>
+              </a:rPr>
+              <a:t/>
+            </a:r>
             <a:br>
               <a:rPr kumimoji="0" lang="en-US" altLang="en-US" sz="1400" b="0" i="0" u="none" strike="noStrike" cap="none" normalizeH="0" baseline="0">
                 <a:ln>
@@ -12401,6 +11874,13 @@
   <p:clrMapOvr>
     <a:masterClrMapping/>
   </p:clrMapOvr>
+  <p:timing>
+    <p:tnLst>
+      <p:par>
+        <p:cTn id="1" dur="indefinite" restart="never" nodeType="tmRoot"/>
+      </p:par>
+    </p:tnLst>
+  </p:timing>
 </p:sld>
 </file>
 
@@ -12666,6 +12146,20 @@
               <a:buNone/>
               <a:tabLst/>
             </a:pPr>
+            <a:r>
+              <a:rPr kumimoji="0" lang="en-US" altLang="en-US" sz="1400" b="0" i="0" u="none" strike="noStrike" cap="none" normalizeH="0" baseline="0">
+                <a:ln>
+                  <a:noFill/>
+                </a:ln>
+                <a:solidFill>
+                  <a:schemeClr val="tx1"/>
+                </a:solidFill>
+                <a:effectLst/>
+                <a:latin typeface="Arial" panose="020B0604020202020204" pitchFamily="34" charset="0"/>
+                <a:ea typeface="Times New Roman" panose="02020603050405020304" pitchFamily="18" charset="0"/>
+              </a:rPr>
+              <a:t/>
+            </a:r>
             <a:br>
               <a:rPr kumimoji="0" lang="en-US" altLang="en-US" sz="1400" b="0" i="0" u="none" strike="noStrike" cap="none" normalizeH="0" baseline="0">
                 <a:ln>
@@ -12702,6 +12196,13 @@
   <p:clrMapOvr>
     <a:masterClrMapping/>
   </p:clrMapOvr>
+  <p:timing>
+    <p:tnLst>
+      <p:par>
+        <p:cTn id="1" dur="indefinite" restart="never" nodeType="tmRoot"/>
+      </p:par>
+    </p:tnLst>
+  </p:timing>
 </p:sld>
 </file>
 
@@ -13084,6 +12585,20 @@
               <a:buNone/>
               <a:tabLst/>
             </a:pPr>
+            <a:r>
+              <a:rPr kumimoji="0" lang="en-US" altLang="en-US" sz="1400" b="0" i="0" u="none" strike="noStrike" cap="none" normalizeH="0" baseline="0">
+                <a:ln>
+                  <a:noFill/>
+                </a:ln>
+                <a:solidFill>
+                  <a:schemeClr val="tx1"/>
+                </a:solidFill>
+                <a:effectLst/>
+                <a:latin typeface="Arial" panose="020B0604020202020204" pitchFamily="34" charset="0"/>
+                <a:ea typeface="Times New Roman" panose="02020603050405020304" pitchFamily="18" charset="0"/>
+              </a:rPr>
+              <a:t/>
+            </a:r>
             <a:br>
               <a:rPr kumimoji="0" lang="en-US" altLang="en-US" sz="1400" b="0" i="0" u="none" strike="noStrike" cap="none" normalizeH="0" baseline="0">
                 <a:ln>
@@ -13298,6 +12813,13 @@
   <p:clrMapOvr>
     <a:masterClrMapping/>
   </p:clrMapOvr>
+  <p:timing>
+    <p:tnLst>
+      <p:par>
+        <p:cTn id="1" dur="indefinite" restart="never" nodeType="tmRoot"/>
+      </p:par>
+    </p:tnLst>
+  </p:timing>
 </p:sld>
 </file>
 
@@ -13601,6 +13123,20 @@
               <a:buNone/>
               <a:tabLst/>
             </a:pPr>
+            <a:r>
+              <a:rPr kumimoji="0" lang="en-US" altLang="en-US" sz="1400" b="0" i="0" u="none" strike="noStrike" cap="none" normalizeH="0" baseline="0">
+                <a:ln>
+                  <a:noFill/>
+                </a:ln>
+                <a:solidFill>
+                  <a:schemeClr val="tx1"/>
+                </a:solidFill>
+                <a:effectLst/>
+                <a:latin typeface="Arial" panose="020B0604020202020204" pitchFamily="34" charset="0"/>
+                <a:ea typeface="Times New Roman" panose="02020603050405020304" pitchFamily="18" charset="0"/>
+              </a:rPr>
+              <a:t/>
+            </a:r>
             <a:br>
               <a:rPr kumimoji="0" lang="en-US" altLang="en-US" sz="1400" b="0" i="0" u="none" strike="noStrike" cap="none" normalizeH="0" baseline="0">
                 <a:ln>
@@ -13815,6 +13351,13 @@
   <p:clrMapOvr>
     <a:masterClrMapping/>
   </p:clrMapOvr>
+  <p:timing>
+    <p:tnLst>
+      <p:par>
+        <p:cTn id="1" dur="indefinite" restart="never" nodeType="tmRoot"/>
+      </p:par>
+    </p:tnLst>
+  </p:timing>
 </p:sld>
 </file>
 
@@ -14167,6 +13710,20 @@
               <a:buNone/>
               <a:tabLst/>
             </a:pPr>
+            <a:r>
+              <a:rPr kumimoji="0" lang="en-US" altLang="en-US" sz="1400" b="0" i="0" u="none" strike="noStrike" cap="none" normalizeH="0" baseline="0">
+                <a:ln>
+                  <a:noFill/>
+                </a:ln>
+                <a:solidFill>
+                  <a:schemeClr val="tx1"/>
+                </a:solidFill>
+                <a:effectLst/>
+                <a:latin typeface="Arial" panose="020B0604020202020204" pitchFamily="34" charset="0"/>
+                <a:ea typeface="Times New Roman" panose="02020603050405020304" pitchFamily="18" charset="0"/>
+              </a:rPr>
+              <a:t/>
+            </a:r>
             <a:br>
               <a:rPr kumimoji="0" lang="en-US" altLang="en-US" sz="1400" b="0" i="0" u="none" strike="noStrike" cap="none" normalizeH="0" baseline="0">
                 <a:ln>
@@ -14381,6 +13938,13 @@
   <p:clrMapOvr>
     <a:masterClrMapping/>
   </p:clrMapOvr>
+  <p:timing>
+    <p:tnLst>
+      <p:par>
+        <p:cTn id="1" dur="indefinite" restart="never" nodeType="tmRoot"/>
+      </p:par>
+    </p:tnLst>
+  </p:timing>
 </p:sld>
 </file>
 
